--- a/Hamburgerező hálózatterve.pptx
+++ b/Hamburgerező hálózatterve.pptx
@@ -6,15 +6,16 @@
   </p:sldMasterIdLst>
   <p:sldIdLst>
     <p:sldId id="256" r:id="rId2"/>
-    <p:sldId id="257" r:id="rId3"/>
-    <p:sldId id="258" r:id="rId4"/>
-    <p:sldId id="259" r:id="rId5"/>
-    <p:sldId id="260" r:id="rId6"/>
-    <p:sldId id="261" r:id="rId7"/>
-    <p:sldId id="262" r:id="rId8"/>
-    <p:sldId id="263" r:id="rId9"/>
-    <p:sldId id="264" r:id="rId10"/>
-    <p:sldId id="265" r:id="rId11"/>
+    <p:sldId id="266" r:id="rId3"/>
+    <p:sldId id="257" r:id="rId4"/>
+    <p:sldId id="258" r:id="rId5"/>
+    <p:sldId id="259" r:id="rId6"/>
+    <p:sldId id="260" r:id="rId7"/>
+    <p:sldId id="261" r:id="rId8"/>
+    <p:sldId id="262" r:id="rId9"/>
+    <p:sldId id="263" r:id="rId10"/>
+    <p:sldId id="264" r:id="rId11"/>
+    <p:sldId id="265" r:id="rId12"/>
   </p:sldIdLst>
   <p:sldSz cx="12192000" cy="6858000"/>
   <p:notesSz cx="6858000" cy="9144000"/>
@@ -19292,2242 +19293,6 @@
           <p:cNvPr id="2" name="Title 1">
             <a:extLst>
               <a:ext uri="{FF2B5EF4-FFF2-40B4-BE49-F238E27FC236}">
-                <a16:creationId xmlns:a16="http://schemas.microsoft.com/office/drawing/2014/main" id="{1324B2F5-F95A-0DAD-70CB-855C4097C4E0}"/>
-              </a:ext>
-            </a:extLst>
-          </p:cNvPr>
-          <p:cNvSpPr>
-            <a:spLocks noGrp="1"/>
-          </p:cNvSpPr>
-          <p:nvPr>
-            <p:ph type="title"/>
-          </p:nvPr>
-        </p:nvSpPr>
-        <p:spPr>
-          <a:xfrm>
-            <a:off x="1143001" y="2646101"/>
-            <a:ext cx="9905998" cy="1478570"/>
-          </a:xfrm>
-        </p:spPr>
-        <p:txBody>
-          <a:bodyPr/>
-          <a:lstStyle/>
-          <a:p>
-            <a:pPr algn="ctr"/>
-            <a:r>
-              <a:rPr lang="hu-HU" dirty="0"/>
-              <a:t>Köszönöm a figyelmet!</a:t>
-            </a:r>
-          </a:p>
-        </p:txBody>
-      </p:sp>
-    </p:spTree>
-    <p:extLst>
-      <p:ext uri="{BB962C8B-B14F-4D97-AF65-F5344CB8AC3E}">
-        <p14:creationId xmlns:p14="http://schemas.microsoft.com/office/powerpoint/2010/main" val="1240888971"/>
-      </p:ext>
-    </p:extLst>
-  </p:cSld>
-  <p:clrMapOvr>
-    <a:masterClrMapping/>
-  </p:clrMapOvr>
-</p:sld>
-</file>
-
-<file path=ppt/slides/slide2.xml><?xml version="1.0" encoding="utf-8"?>
-<p:sld xmlns:a="http://schemas.openxmlformats.org/drawingml/2006/main" xmlns:r="http://schemas.openxmlformats.org/officeDocument/2006/relationships" xmlns:p="http://schemas.openxmlformats.org/presentationml/2006/main">
-  <p:cSld>
-    <p:spTree>
-      <p:nvGrpSpPr>
-        <p:cNvPr id="1" name=""/>
-        <p:cNvGrpSpPr/>
-        <p:nvPr/>
-      </p:nvGrpSpPr>
-      <p:grpSpPr>
-        <a:xfrm>
-          <a:off x="0" y="0"/>
-          <a:ext cx="0" cy="0"/>
-          <a:chOff x="0" y="0"/>
-          <a:chExt cx="0" cy="0"/>
-        </a:xfrm>
-      </p:grpSpPr>
-      <p:sp>
-        <p:nvSpPr>
-          <p:cNvPr id="2" name="Title 1">
-            <a:extLst>
-              <a:ext uri="{FF2B5EF4-FFF2-40B4-BE49-F238E27FC236}">
-                <a16:creationId xmlns:a16="http://schemas.microsoft.com/office/drawing/2014/main" id="{22388F28-92DE-68C1-DF28-62E904609DD0}"/>
-              </a:ext>
-            </a:extLst>
-          </p:cNvPr>
-          <p:cNvSpPr>
-            <a:spLocks noGrp="1"/>
-          </p:cNvSpPr>
-          <p:nvPr>
-            <p:ph type="title"/>
-          </p:nvPr>
-        </p:nvSpPr>
-        <p:spPr>
-          <a:xfrm>
-            <a:off x="1217544" y="506896"/>
-            <a:ext cx="9905998" cy="842533"/>
-          </a:xfrm>
-        </p:spPr>
-        <p:txBody>
-          <a:bodyPr/>
-          <a:lstStyle/>
-          <a:p>
-            <a:r>
-              <a:rPr lang="hu-HU" dirty="0"/>
-              <a:t>A hálózattervezés célja</a:t>
-            </a:r>
-          </a:p>
-        </p:txBody>
-      </p:sp>
-      <p:sp>
-        <p:nvSpPr>
-          <p:cNvPr id="4" name="Rectangle 1">
-            <a:extLst>
-              <a:ext uri="{FF2B5EF4-FFF2-40B4-BE49-F238E27FC236}">
-                <a16:creationId xmlns:a16="http://schemas.microsoft.com/office/drawing/2014/main" id="{AA403AD8-46A7-32ED-B4AD-4F0EC53DDFA5}"/>
-              </a:ext>
-            </a:extLst>
-          </p:cNvPr>
-          <p:cNvSpPr>
-            <a:spLocks noGrp="1" noChangeArrowheads="1"/>
-          </p:cNvSpPr>
-          <p:nvPr>
-            <p:ph idx="1"/>
-          </p:nvPr>
-        </p:nvSpPr>
-        <p:spPr bwMode="auto">
-          <a:xfrm>
-            <a:off x="1143000" y="1782398"/>
-            <a:ext cx="9980542" cy="3293209"/>
-          </a:xfrm>
-          <a:prstGeom prst="rect">
-            <a:avLst/>
-          </a:prstGeom>
-          <a:noFill/>
-          <a:ln>
-            <a:noFill/>
-          </a:ln>
-          <a:effectLst/>
-          <a:extLst>
-            <a:ext uri="{909E8E84-426E-40DD-AFC4-6F175D3DCCD1}">
-              <a14:hiddenFill xmlns:a14="http://schemas.microsoft.com/office/drawing/2010/main">
-                <a:solidFill>
-                  <a:schemeClr val="accent1"/>
-                </a:solidFill>
-              </a14:hiddenFill>
-            </a:ext>
-            <a:ext uri="{91240B29-F687-4F45-9708-019B960494DF}">
-              <a14:hiddenLine xmlns:a14="http://schemas.microsoft.com/office/drawing/2010/main" w="9525">
-                <a:solidFill>
-                  <a:schemeClr val="tx1"/>
-                </a:solidFill>
-                <a:miter lim="800000"/>
-                <a:headEnd/>
-                <a:tailEnd/>
-              </a14:hiddenLine>
-            </a:ext>
-            <a:ext uri="{AF507438-7753-43E0-B8FC-AC1667EBCBE1}">
-              <a14:hiddenEffects xmlns:a14="http://schemas.microsoft.com/office/drawing/2010/main">
-                <a:effectLst>
-                  <a:outerShdw dist="35921" dir="2700000" algn="ctr" rotWithShape="0">
-                    <a:schemeClr val="bg2"/>
-                  </a:outerShdw>
-                </a:effectLst>
-              </a14:hiddenEffects>
-            </a:ext>
-          </a:extLst>
-        </p:spPr>
-        <p:txBody>
-          <a:bodyPr vert="horz" wrap="square" lIns="91440" tIns="45720" rIns="91440" bIns="45720" numCol="1" anchor="ctr" anchorCtr="0" compatLnSpc="1">
-            <a:prstTxWarp prst="textNoShape">
-              <a:avLst/>
-            </a:prstTxWarp>
-            <a:spAutoFit/>
-          </a:bodyPr>
-          <a:lstStyle/>
-          <a:p>
-            <a:pPr marR="0" lvl="0" algn="l" defTabSz="914400" rtl="0" eaLnBrk="0" fontAlgn="base" latinLnBrk="0" hangingPunct="0">
-              <a:lnSpc>
-                <a:spcPct val="100000"/>
-              </a:lnSpc>
-              <a:spcBef>
-                <a:spcPct val="0"/>
-              </a:spcBef>
-              <a:spcAft>
-                <a:spcPct val="0"/>
-              </a:spcAft>
-              <a:buClrTx/>
-              <a:buSzTx/>
-              <a:buFont typeface="Courier New" panose="02070309020205020404" pitchFamily="49" charset="0"/>
-              <a:buChar char="o"/>
-              <a:tabLst/>
-            </a:pPr>
-            <a:r>
-              <a:rPr kumimoji="0" lang="hu-HU" altLang="hu-HU" b="0" i="0" u="none" strike="noStrike" cap="none" normalizeH="0" baseline="0" dirty="0">
-                <a:ln>
-                  <a:noFill/>
-                </a:ln>
-                <a:solidFill>
-                  <a:schemeClr val="tx1"/>
-                </a:solidFill>
-                <a:effectLst/>
-                <a:latin typeface="Arial" panose="020B0604020202020204" pitchFamily="34" charset="0"/>
-              </a:rPr>
-              <a:t> A hamburgerező zavartalan működéséhez elengedhetetlen a megfelelően felépített infrastruktúra</a:t>
-            </a:r>
-          </a:p>
-          <a:p>
-            <a:pPr marR="0" lvl="0" algn="l" defTabSz="914400" rtl="0" eaLnBrk="0" fontAlgn="base" latinLnBrk="0" hangingPunct="0">
-              <a:lnSpc>
-                <a:spcPct val="100000"/>
-              </a:lnSpc>
-              <a:spcBef>
-                <a:spcPct val="0"/>
-              </a:spcBef>
-              <a:spcAft>
-                <a:spcPct val="0"/>
-              </a:spcAft>
-              <a:buClrTx/>
-              <a:buSzTx/>
-              <a:buFont typeface="Courier New" panose="02070309020205020404" pitchFamily="49" charset="0"/>
-              <a:buChar char="o"/>
-              <a:tabLst/>
-            </a:pPr>
-            <a:r>
-              <a:rPr lang="hu-HU" altLang="hu-HU" dirty="0">
-                <a:latin typeface="Arial" panose="020B0604020202020204" pitchFamily="34" charset="0"/>
-              </a:rPr>
-              <a:t> A</a:t>
-            </a:r>
-            <a:r>
-              <a:rPr kumimoji="0" lang="hu-HU" altLang="hu-HU" b="0" i="0" u="none" strike="noStrike" cap="none" normalizeH="0" baseline="0" dirty="0">
-                <a:ln>
-                  <a:noFill/>
-                </a:ln>
-                <a:solidFill>
-                  <a:schemeClr val="tx1"/>
-                </a:solidFill>
-                <a:effectLst/>
-                <a:latin typeface="Arial" panose="020B0604020202020204" pitchFamily="34" charset="0"/>
-              </a:rPr>
-              <a:t> cél egy stabil, jól szegmentált hálózat kialakítása, amely támogatja:</a:t>
-            </a:r>
-          </a:p>
-          <a:p>
-            <a:pPr marL="0" marR="0" lvl="0" indent="0" algn="l" defTabSz="914400" rtl="0" eaLnBrk="0" fontAlgn="base" latinLnBrk="0" hangingPunct="0">
-              <a:lnSpc>
-                <a:spcPct val="100000"/>
-              </a:lnSpc>
-              <a:spcBef>
-                <a:spcPct val="0"/>
-              </a:spcBef>
-              <a:spcAft>
-                <a:spcPct val="0"/>
-              </a:spcAft>
-              <a:buClrTx/>
-              <a:buSzTx/>
-              <a:buNone/>
-              <a:tabLst>
-                <a:tab pos="180000" algn="l"/>
-              </a:tabLst>
-            </a:pPr>
-            <a:endParaRPr lang="hu-HU" altLang="hu-HU" sz="1800" dirty="0">
-              <a:latin typeface="Arial" panose="020B0604020202020204" pitchFamily="34" charset="0"/>
-            </a:endParaRPr>
-          </a:p>
-          <a:p>
-            <a:pPr lvl="1" eaLnBrk="0" fontAlgn="base" hangingPunct="0">
-              <a:lnSpc>
-                <a:spcPct val="100000"/>
-              </a:lnSpc>
-              <a:spcBef>
-                <a:spcPct val="0"/>
-              </a:spcBef>
-              <a:spcAft>
-                <a:spcPct val="0"/>
-              </a:spcAft>
-              <a:buSzTx/>
-              <a:buFont typeface="Courier New" panose="02070309020205020404" pitchFamily="49" charset="0"/>
-              <a:buChar char="o"/>
-              <a:tabLst>
-                <a:tab pos="180000" algn="l"/>
-              </a:tabLst>
-            </a:pPr>
-            <a:r>
-              <a:rPr kumimoji="0" lang="hu-HU" altLang="hu-HU" b="0" i="0" u="none" strike="noStrike" cap="none" normalizeH="0" baseline="0" dirty="0">
-                <a:ln>
-                  <a:noFill/>
-                </a:ln>
-                <a:solidFill>
-                  <a:schemeClr val="tx1"/>
-                </a:solidFill>
-                <a:effectLst/>
-                <a:latin typeface="Arial" panose="020B0604020202020204" pitchFamily="34" charset="0"/>
-              </a:rPr>
-              <a:t>az adminisztratív feladatokat,</a:t>
-            </a:r>
-          </a:p>
-          <a:p>
-            <a:pPr lvl="1" eaLnBrk="0" fontAlgn="base" hangingPunct="0">
-              <a:lnSpc>
-                <a:spcPct val="100000"/>
-              </a:lnSpc>
-              <a:spcBef>
-                <a:spcPct val="0"/>
-              </a:spcBef>
-              <a:spcAft>
-                <a:spcPct val="0"/>
-              </a:spcAft>
-              <a:buSzTx/>
-              <a:buFont typeface="Courier New" panose="02070309020205020404" pitchFamily="49" charset="0"/>
-              <a:buChar char="o"/>
-              <a:tabLst>
-                <a:tab pos="180000" algn="l"/>
-              </a:tabLst>
-            </a:pPr>
-            <a:r>
-              <a:rPr kumimoji="0" lang="hu-HU" altLang="hu-HU" b="0" i="0" u="none" strike="noStrike" cap="none" normalizeH="0" baseline="0" dirty="0">
-                <a:ln>
-                  <a:noFill/>
-                </a:ln>
-                <a:solidFill>
-                  <a:schemeClr val="tx1"/>
-                </a:solidFill>
-                <a:effectLst/>
-                <a:latin typeface="Arial" panose="020B0604020202020204" pitchFamily="34" charset="0"/>
-              </a:rPr>
-              <a:t>a rendeléskezelést,</a:t>
-            </a:r>
-          </a:p>
-          <a:p>
-            <a:pPr lvl="1" eaLnBrk="0" fontAlgn="base" hangingPunct="0">
-              <a:lnSpc>
-                <a:spcPct val="100000"/>
-              </a:lnSpc>
-              <a:spcBef>
-                <a:spcPct val="0"/>
-              </a:spcBef>
-              <a:spcAft>
-                <a:spcPct val="0"/>
-              </a:spcAft>
-              <a:buSzTx/>
-              <a:buFont typeface="Courier New" panose="02070309020205020404" pitchFamily="49" charset="0"/>
-              <a:buChar char="o"/>
-              <a:tabLst>
-                <a:tab pos="180000" algn="l"/>
-              </a:tabLst>
-            </a:pPr>
-            <a:r>
-              <a:rPr kumimoji="0" lang="hu-HU" altLang="hu-HU" b="0" i="0" u="none" strike="noStrike" cap="none" normalizeH="0" baseline="0" dirty="0">
-                <a:ln>
-                  <a:noFill/>
-                </a:ln>
-                <a:solidFill>
-                  <a:schemeClr val="tx1"/>
-                </a:solidFill>
-                <a:effectLst/>
-                <a:latin typeface="Arial" panose="020B0604020202020204" pitchFamily="34" charset="0"/>
-              </a:rPr>
-              <a:t>a vendégek kiszolgálását,</a:t>
-            </a:r>
-          </a:p>
-          <a:p>
-            <a:pPr lvl="1" eaLnBrk="0" fontAlgn="base" hangingPunct="0">
-              <a:lnSpc>
-                <a:spcPct val="100000"/>
-              </a:lnSpc>
-              <a:spcBef>
-                <a:spcPct val="0"/>
-              </a:spcBef>
-              <a:spcAft>
-                <a:spcPct val="0"/>
-              </a:spcAft>
-              <a:buSzTx/>
-              <a:buFont typeface="Courier New" panose="02070309020205020404" pitchFamily="49" charset="0"/>
-              <a:buChar char="o"/>
-              <a:tabLst>
-                <a:tab pos="180000" algn="l"/>
-              </a:tabLst>
-            </a:pPr>
-            <a:r>
-              <a:rPr kumimoji="0" lang="hu-HU" altLang="hu-HU" b="0" i="0" u="none" strike="noStrike" cap="none" normalizeH="0" baseline="0" dirty="0">
-                <a:ln>
-                  <a:noFill/>
-                </a:ln>
-                <a:solidFill>
-                  <a:schemeClr val="tx1"/>
-                </a:solidFill>
-                <a:effectLst/>
-                <a:latin typeface="Arial" panose="020B0604020202020204" pitchFamily="34" charset="0"/>
-              </a:rPr>
-              <a:t>a szerverszoba szolgáltatásait</a:t>
-            </a:r>
-            <a:r>
-              <a:rPr kumimoji="0" lang="hu-HU" altLang="hu-HU" sz="1400" b="0" i="0" u="none" strike="noStrike" cap="none" normalizeH="0" baseline="0" dirty="0">
-                <a:ln>
-                  <a:noFill/>
-                </a:ln>
-                <a:solidFill>
-                  <a:schemeClr val="tx1"/>
-                </a:solidFill>
-                <a:effectLst/>
-                <a:latin typeface="Arial" panose="020B0604020202020204" pitchFamily="34" charset="0"/>
-              </a:rPr>
-              <a:t>.</a:t>
-            </a:r>
-          </a:p>
-          <a:p>
-            <a:pPr lvl="1" eaLnBrk="0" fontAlgn="base" hangingPunct="0">
-              <a:lnSpc>
-                <a:spcPct val="100000"/>
-              </a:lnSpc>
-              <a:spcBef>
-                <a:spcPct val="0"/>
-              </a:spcBef>
-              <a:spcAft>
-                <a:spcPct val="0"/>
-              </a:spcAft>
-              <a:buSzTx/>
-              <a:buFont typeface="Courier New" panose="02070309020205020404" pitchFamily="49" charset="0"/>
-              <a:buChar char="o"/>
-              <a:tabLst>
-                <a:tab pos="180000" algn="l"/>
-              </a:tabLst>
-            </a:pPr>
-            <a:endParaRPr kumimoji="0" lang="hu-HU" altLang="hu-HU" sz="1400" b="0" i="0" u="none" strike="noStrike" cap="none" normalizeH="0" baseline="0" dirty="0">
-              <a:ln>
-                <a:noFill/>
-              </a:ln>
-              <a:solidFill>
-                <a:schemeClr val="tx1"/>
-              </a:solidFill>
-              <a:effectLst/>
-              <a:latin typeface="Arial" panose="020B0604020202020204" pitchFamily="34" charset="0"/>
-            </a:endParaRPr>
-          </a:p>
-          <a:p>
-            <a:pPr marR="0" lvl="0" algn="l" defTabSz="914400" rtl="0" eaLnBrk="0" fontAlgn="base" latinLnBrk="0" hangingPunct="0">
-              <a:lnSpc>
-                <a:spcPct val="100000"/>
-              </a:lnSpc>
-              <a:spcBef>
-                <a:spcPct val="0"/>
-              </a:spcBef>
-              <a:spcAft>
-                <a:spcPct val="0"/>
-              </a:spcAft>
-              <a:buClrTx/>
-              <a:buSzTx/>
-              <a:buFont typeface="Courier New" panose="02070309020205020404" pitchFamily="49" charset="0"/>
-              <a:buChar char="o"/>
-              <a:tabLst>
-                <a:tab pos="180000" algn="l"/>
-              </a:tabLst>
-            </a:pPr>
-            <a:r>
-              <a:rPr kumimoji="0" lang="hu-HU" altLang="hu-HU" b="0" i="0" u="none" strike="noStrike" cap="none" normalizeH="0" baseline="0" dirty="0">
-                <a:ln>
-                  <a:noFill/>
-                </a:ln>
-                <a:solidFill>
-                  <a:schemeClr val="tx1"/>
-                </a:solidFill>
-                <a:effectLst/>
-                <a:latin typeface="Arial" panose="020B0604020202020204" pitchFamily="34" charset="0"/>
-              </a:rPr>
-              <a:t> A tervezés Cisco Packet Tracer segítségével készült.</a:t>
-            </a:r>
-          </a:p>
-        </p:txBody>
-      </p:sp>
-      <p:pic>
-        <p:nvPicPr>
-          <p:cNvPr id="12" name="Graphic 11" descr="Covered plate with solid fill">
-            <a:extLst>
-              <a:ext uri="{FF2B5EF4-FFF2-40B4-BE49-F238E27FC236}">
-                <a16:creationId xmlns:a16="http://schemas.microsoft.com/office/drawing/2014/main" id="{AA48AC50-E0F6-5B82-DBC1-1012A6045897}"/>
-              </a:ext>
-            </a:extLst>
-          </p:cNvPr>
-          <p:cNvPicPr>
-            <a:picLocks noChangeAspect="1"/>
-          </p:cNvPicPr>
-          <p:nvPr/>
-        </p:nvPicPr>
-        <p:blipFill>
-          <a:blip r:embed="rId2">
-            <a:extLst>
-              <a:ext uri="{96DAC541-7B7A-43D3-8B79-37D633B846F1}">
-                <asvg:svgBlip xmlns:asvg="http://schemas.microsoft.com/office/drawing/2016/SVG/main" r:embed="rId3"/>
-              </a:ext>
-            </a:extLst>
-          </a:blip>
-          <a:stretch>
-            <a:fillRect/>
-          </a:stretch>
-        </p:blipFill>
-        <p:spPr>
-          <a:xfrm>
-            <a:off x="4267200" y="5277678"/>
-            <a:ext cx="914400" cy="914400"/>
-          </a:xfrm>
-          <a:prstGeom prst="rect">
-            <a:avLst/>
-          </a:prstGeom>
-        </p:spPr>
-      </p:pic>
-      <p:pic>
-        <p:nvPicPr>
-          <p:cNvPr id="14" name="Graphic 13" descr="Server with solid fill">
-            <a:extLst>
-              <a:ext uri="{FF2B5EF4-FFF2-40B4-BE49-F238E27FC236}">
-                <a16:creationId xmlns:a16="http://schemas.microsoft.com/office/drawing/2014/main" id="{AA578967-B824-FE1F-22AC-72A32135B52C}"/>
-              </a:ext>
-            </a:extLst>
-          </p:cNvPr>
-          <p:cNvPicPr>
-            <a:picLocks noChangeAspect="1"/>
-          </p:cNvPicPr>
-          <p:nvPr/>
-        </p:nvPicPr>
-        <p:blipFill>
-          <a:blip r:embed="rId4">
-            <a:extLst>
-              <a:ext uri="{96DAC541-7B7A-43D3-8B79-37D633B846F1}">
-                <asvg:svgBlip xmlns:asvg="http://schemas.microsoft.com/office/drawing/2016/SVG/main" r:embed="rId5"/>
-              </a:ext>
-            </a:extLst>
-          </a:blip>
-          <a:stretch>
-            <a:fillRect/>
-          </a:stretch>
-        </p:blipFill>
-        <p:spPr>
-          <a:xfrm>
-            <a:off x="5181600" y="5292587"/>
-            <a:ext cx="914400" cy="914400"/>
-          </a:xfrm>
-          <a:prstGeom prst="rect">
-            <a:avLst/>
-          </a:prstGeom>
-        </p:spPr>
-      </p:pic>
-      <p:pic>
-        <p:nvPicPr>
-          <p:cNvPr id="16" name="Graphic 15" descr="Fork and knife with solid fill">
-            <a:extLst>
-              <a:ext uri="{FF2B5EF4-FFF2-40B4-BE49-F238E27FC236}">
-                <a16:creationId xmlns:a16="http://schemas.microsoft.com/office/drawing/2014/main" id="{2B1BA1AD-634B-B77B-688E-00B930EB32F7}"/>
-              </a:ext>
-            </a:extLst>
-          </p:cNvPr>
-          <p:cNvPicPr>
-            <a:picLocks noChangeAspect="1"/>
-          </p:cNvPicPr>
-          <p:nvPr/>
-        </p:nvPicPr>
-        <p:blipFill>
-          <a:blip r:embed="rId6">
-            <a:extLst>
-              <a:ext uri="{96DAC541-7B7A-43D3-8B79-37D633B846F1}">
-                <asvg:svgBlip xmlns:asvg="http://schemas.microsoft.com/office/drawing/2016/SVG/main" r:embed="rId7"/>
-              </a:ext>
-            </a:extLst>
-          </a:blip>
-          <a:stretch>
-            <a:fillRect/>
-          </a:stretch>
-        </p:blipFill>
-        <p:spPr>
-          <a:xfrm>
-            <a:off x="6133271" y="5277678"/>
-            <a:ext cx="914400" cy="914400"/>
-          </a:xfrm>
-          <a:prstGeom prst="rect">
-            <a:avLst/>
-          </a:prstGeom>
-        </p:spPr>
-      </p:pic>
-    </p:spTree>
-    <p:extLst>
-      <p:ext uri="{BB962C8B-B14F-4D97-AF65-F5344CB8AC3E}">
-        <p14:creationId xmlns:p14="http://schemas.microsoft.com/office/powerpoint/2010/main" val="2306381757"/>
-      </p:ext>
-    </p:extLst>
-  </p:cSld>
-  <p:clrMapOvr>
-    <a:masterClrMapping/>
-  </p:clrMapOvr>
-</p:sld>
-</file>
-
-<file path=ppt/slides/slide3.xml><?xml version="1.0" encoding="utf-8"?>
-<p:sld xmlns:a="http://schemas.openxmlformats.org/drawingml/2006/main" xmlns:r="http://schemas.openxmlformats.org/officeDocument/2006/relationships" xmlns:p="http://schemas.openxmlformats.org/presentationml/2006/main">
-  <p:cSld>
-    <p:bg>
-      <p:bgPr>
-        <a:blipFill>
-          <a:blip r:embed="rId2">
-            <a:duotone>
-              <a:schemeClr val="bg2">
-                <a:shade val="88000"/>
-                <a:hueMod val="106000"/>
-                <a:satMod val="140000"/>
-                <a:lumMod val="54000"/>
-              </a:schemeClr>
-              <a:schemeClr val="bg2">
-                <a:tint val="98000"/>
-                <a:hueMod val="90000"/>
-                <a:satMod val="150000"/>
-                <a:lumMod val="160000"/>
-              </a:schemeClr>
-            </a:duotone>
-          </a:blip>
-          <a:stretch/>
-        </a:blipFill>
-        <a:effectLst/>
-      </p:bgPr>
-    </p:bg>
-    <p:spTree>
-      <p:nvGrpSpPr>
-        <p:cNvPr id="1" name=""/>
-        <p:cNvGrpSpPr/>
-        <p:nvPr/>
-      </p:nvGrpSpPr>
-      <p:grpSpPr>
-        <a:xfrm>
-          <a:off x="0" y="0"/>
-          <a:ext cx="0" cy="0"/>
-          <a:chOff x="0" y="0"/>
-          <a:chExt cx="0" cy="0"/>
-        </a:xfrm>
-      </p:grpSpPr>
-      <p:sp>
-        <p:nvSpPr>
-          <p:cNvPr id="2" name="Title 1">
-            <a:extLst>
-              <a:ext uri="{FF2B5EF4-FFF2-40B4-BE49-F238E27FC236}">
-                <a16:creationId xmlns:a16="http://schemas.microsoft.com/office/drawing/2014/main" id="{22388F28-92DE-68C1-DF28-62E904609DD0}"/>
-              </a:ext>
-            </a:extLst>
-          </p:cNvPr>
-          <p:cNvSpPr>
-            <a:spLocks noGrp="1"/>
-          </p:cNvSpPr>
-          <p:nvPr>
-            <p:ph type="title"/>
-          </p:nvPr>
-        </p:nvSpPr>
-        <p:spPr>
-          <a:xfrm>
-            <a:off x="1240804" y="432353"/>
-            <a:ext cx="9905998" cy="827625"/>
-          </a:xfrm>
-        </p:spPr>
-        <p:txBody>
-          <a:bodyPr>
-            <a:normAutofit/>
-          </a:bodyPr>
-          <a:lstStyle/>
-          <a:p>
-            <a:r>
-              <a:rPr lang="hu-HU" dirty="0"/>
-              <a:t>Hálózati topológia</a:t>
-            </a:r>
-          </a:p>
-        </p:txBody>
-      </p:sp>
-      <p:pic>
-        <p:nvPicPr>
-          <p:cNvPr id="5" name="Picture 4">
-            <a:extLst>
-              <a:ext uri="{FF2B5EF4-FFF2-40B4-BE49-F238E27FC236}">
-                <a16:creationId xmlns:a16="http://schemas.microsoft.com/office/drawing/2014/main" id="{E3913E9A-ED4A-9715-1284-E985C44D9B81}"/>
-              </a:ext>
-            </a:extLst>
-          </p:cNvPr>
-          <p:cNvPicPr>
-            <a:picLocks noChangeAspect="1"/>
-          </p:cNvPicPr>
-          <p:nvPr/>
-        </p:nvPicPr>
-        <p:blipFill>
-          <a:blip r:embed="rId3"/>
-          <a:stretch>
-            <a:fillRect/>
-          </a:stretch>
-        </p:blipFill>
-        <p:spPr>
-          <a:xfrm>
-            <a:off x="1049107" y="2350605"/>
-            <a:ext cx="5005169" cy="2765356"/>
-          </a:xfrm>
-          <a:prstGeom prst="round2DiagRect">
-            <a:avLst>
-              <a:gd name="adj1" fmla="val 5608"/>
-              <a:gd name="adj2" fmla="val 0"/>
-            </a:avLst>
-          </a:prstGeom>
-          <a:ln w="19050" cap="sq">
-            <a:solidFill>
-              <a:schemeClr val="tx2">
-                <a:lumMod val="60000"/>
-                <a:lumOff val="40000"/>
-                <a:alpha val="60000"/>
-              </a:schemeClr>
-            </a:solidFill>
-            <a:miter lim="800000"/>
-          </a:ln>
-          <a:effectLst>
-            <a:outerShdw blurRad="88900" dist="38100" dir="5400000" algn="t" rotWithShape="0">
-              <a:prstClr val="black">
-                <a:alpha val="40000"/>
-              </a:prstClr>
-            </a:outerShdw>
-          </a:effectLst>
-        </p:spPr>
-      </p:pic>
-      <p:sp>
-        <p:nvSpPr>
-          <p:cNvPr id="4" name="Rectangle 1">
-            <a:extLst>
-              <a:ext uri="{FF2B5EF4-FFF2-40B4-BE49-F238E27FC236}">
-                <a16:creationId xmlns:a16="http://schemas.microsoft.com/office/drawing/2014/main" id="{AA403AD8-46A7-32ED-B4AD-4F0EC53DDFA5}"/>
-              </a:ext>
-            </a:extLst>
-          </p:cNvPr>
-          <p:cNvSpPr>
-            <a:spLocks noGrp="1" noChangeArrowheads="1"/>
-          </p:cNvSpPr>
-          <p:nvPr>
-            <p:ph idx="1"/>
-          </p:nvPr>
-        </p:nvSpPr>
-        <p:spPr bwMode="auto">
-          <a:xfrm>
-            <a:off x="6316849" y="1962426"/>
-            <a:ext cx="5292056" cy="3541714"/>
-          </a:xfrm>
-          <a:prstGeom prst="rect">
-            <a:avLst/>
-          </a:prstGeom>
-          <a:extLst>
-            <a:ext uri="{909E8E84-426E-40DD-AFC4-6F175D3DCCD1}">
-              <a14:hiddenFill xmlns:a14="http://schemas.microsoft.com/office/drawing/2010/main">
-                <a:solidFill>
-                  <a:schemeClr val="accent1"/>
-                </a:solidFill>
-              </a14:hiddenFill>
-            </a:ext>
-            <a:ext uri="{91240B29-F687-4F45-9708-019B960494DF}">
-              <a14:hiddenLine xmlns:a14="http://schemas.microsoft.com/office/drawing/2010/main" w="9525">
-                <a:solidFill>
-                  <a:schemeClr val="tx1"/>
-                </a:solidFill>
-                <a:miter lim="800000"/>
-                <a:headEnd/>
-                <a:tailEnd/>
-              </a14:hiddenLine>
-            </a:ext>
-            <a:ext uri="{AF507438-7753-43E0-B8FC-AC1667EBCBE1}">
-              <a14:hiddenEffects xmlns:a14="http://schemas.microsoft.com/office/drawing/2010/main">
-                <a:effectLst>
-                  <a:outerShdw dist="35921" dir="2700000" algn="ctr" rotWithShape="0">
-                    <a:schemeClr val="bg2"/>
-                  </a:outerShdw>
-                </a:effectLst>
-              </a14:hiddenEffects>
-            </a:ext>
-          </a:extLst>
-        </p:spPr>
-        <p:txBody>
-          <a:bodyPr vert="horz" lIns="91440" tIns="45720" rIns="91440" bIns="45720" numCol="1" anchorCtr="0" compatLnSpc="1">
-            <a:prstTxWarp prst="textNoShape">
-              <a:avLst/>
-            </a:prstTxWarp>
-            <a:normAutofit fontScale="92500"/>
-          </a:bodyPr>
-          <a:lstStyle/>
-          <a:p>
-            <a:pPr marL="0" marR="0" lvl="0" indent="0" defTabSz="914400" rtl="0" eaLnBrk="0" fontAlgn="base" latinLnBrk="0" hangingPunct="0">
-              <a:lnSpc>
-                <a:spcPct val="110000"/>
-              </a:lnSpc>
-              <a:spcBef>
-                <a:spcPct val="0"/>
-              </a:spcBef>
-              <a:spcAft>
-                <a:spcPts val="600"/>
-              </a:spcAft>
-              <a:buClrTx/>
-              <a:buSzTx/>
-              <a:buNone/>
-              <a:tabLst/>
-            </a:pPr>
-            <a:r>
-              <a:rPr kumimoji="0" lang="hu-HU" altLang="hu-HU" sz="2200" b="0" i="0" u="none" strike="noStrike" cap="none" normalizeH="0" baseline="0" dirty="0">
-                <a:ln>
-                  <a:noFill/>
-                </a:ln>
-                <a:effectLst/>
-                <a:latin typeface="Arial" panose="020B0604020202020204" pitchFamily="34" charset="0"/>
-              </a:rPr>
-              <a:t>A hálózat </a:t>
-            </a:r>
-            <a:r>
-              <a:rPr lang="hu-HU" altLang="hu-HU" sz="2200" dirty="0">
-                <a:latin typeface="Arial" panose="020B0604020202020204" pitchFamily="34" charset="0"/>
-              </a:rPr>
-              <a:t>4</a:t>
-            </a:r>
-            <a:r>
-              <a:rPr kumimoji="0" lang="hu-HU" altLang="hu-HU" sz="2200" b="0" i="0" u="none" strike="noStrike" cap="none" normalizeH="0" baseline="0" dirty="0">
-                <a:ln>
-                  <a:noFill/>
-                </a:ln>
-                <a:effectLst/>
-                <a:latin typeface="Arial" panose="020B0604020202020204" pitchFamily="34" charset="0"/>
-              </a:rPr>
-              <a:t> fő részből áll:</a:t>
-            </a:r>
-          </a:p>
-          <a:p>
-            <a:pPr marL="0" marR="0" lvl="0" indent="0" algn="ctr" defTabSz="914400" rtl="0" eaLnBrk="0" fontAlgn="base" latinLnBrk="0" hangingPunct="0">
-              <a:lnSpc>
-                <a:spcPct val="110000"/>
-              </a:lnSpc>
-              <a:spcBef>
-                <a:spcPct val="0"/>
-              </a:spcBef>
-              <a:spcAft>
-                <a:spcPts val="600"/>
-              </a:spcAft>
-              <a:buClrTx/>
-              <a:buSzTx/>
-              <a:buFontTx/>
-              <a:buChar char="•"/>
-              <a:tabLst/>
-            </a:pPr>
-            <a:r>
-              <a:rPr kumimoji="0" lang="hu-HU" altLang="hu-HU" sz="2200" b="0" i="0" u="none" strike="noStrike" cap="none" normalizeH="0" baseline="0" dirty="0">
-                <a:ln>
-                  <a:noFill/>
-                </a:ln>
-                <a:effectLst/>
-                <a:latin typeface="Arial" panose="020B0604020202020204" pitchFamily="34" charset="0"/>
-              </a:rPr>
-              <a:t> Szerverszoba</a:t>
-            </a:r>
-          </a:p>
-          <a:p>
-            <a:pPr marL="0" marR="0" lvl="0" indent="0" algn="ctr" defTabSz="914400" rtl="0" eaLnBrk="0" fontAlgn="base" latinLnBrk="0" hangingPunct="0">
-              <a:lnSpc>
-                <a:spcPct val="110000"/>
-              </a:lnSpc>
-              <a:spcBef>
-                <a:spcPct val="0"/>
-              </a:spcBef>
-              <a:spcAft>
-                <a:spcPts val="600"/>
-              </a:spcAft>
-              <a:buClrTx/>
-              <a:buSzTx/>
-              <a:buFontTx/>
-              <a:buChar char="•"/>
-              <a:tabLst/>
-            </a:pPr>
-            <a:r>
-              <a:rPr kumimoji="0" lang="hu-HU" altLang="hu-HU" sz="2200" b="0" i="0" u="none" strike="noStrike" cap="none" normalizeH="0" baseline="0" dirty="0">
-                <a:ln>
-                  <a:noFill/>
-                </a:ln>
-                <a:effectLst/>
-                <a:latin typeface="Arial" panose="020B0604020202020204" pitchFamily="34" charset="0"/>
-              </a:rPr>
-              <a:t> Adminisztráció</a:t>
-            </a:r>
-          </a:p>
-          <a:p>
-            <a:pPr marL="0" marR="0" lvl="0" indent="0" algn="ctr" defTabSz="914400" rtl="0" eaLnBrk="0" fontAlgn="base" latinLnBrk="0" hangingPunct="0">
-              <a:lnSpc>
-                <a:spcPct val="110000"/>
-              </a:lnSpc>
-              <a:spcBef>
-                <a:spcPct val="0"/>
-              </a:spcBef>
-              <a:spcAft>
-                <a:spcPts val="600"/>
-              </a:spcAft>
-              <a:buClrTx/>
-              <a:buSzTx/>
-              <a:buFontTx/>
-              <a:buChar char="•"/>
-              <a:tabLst/>
-            </a:pPr>
-            <a:r>
-              <a:rPr kumimoji="0" lang="hu-HU" altLang="hu-HU" sz="2200" b="0" i="0" u="none" strike="noStrike" cap="none" normalizeH="0" baseline="0" dirty="0">
-                <a:ln>
-                  <a:noFill/>
-                </a:ln>
-                <a:effectLst/>
-                <a:latin typeface="Arial" panose="020B0604020202020204" pitchFamily="34" charset="0"/>
-              </a:rPr>
-              <a:t> Konyha/rendelés</a:t>
-            </a:r>
-          </a:p>
-          <a:p>
-            <a:pPr marL="0" marR="0" lvl="0" indent="0" algn="ctr" defTabSz="914400" rtl="0" eaLnBrk="0" fontAlgn="base" latinLnBrk="0" hangingPunct="0">
-              <a:lnSpc>
-                <a:spcPct val="110000"/>
-              </a:lnSpc>
-              <a:spcBef>
-                <a:spcPct val="0"/>
-              </a:spcBef>
-              <a:spcAft>
-                <a:spcPts val="600"/>
-              </a:spcAft>
-              <a:buClrTx/>
-              <a:buSzTx/>
-              <a:buFontTx/>
-              <a:buChar char="•"/>
-              <a:tabLst/>
-            </a:pPr>
-            <a:r>
-              <a:rPr kumimoji="0" lang="hu-HU" altLang="hu-HU" sz="2200" b="0" i="0" u="none" strike="noStrike" cap="none" normalizeH="0" baseline="0" dirty="0">
-                <a:ln>
-                  <a:noFill/>
-                </a:ln>
-                <a:effectLst/>
-                <a:latin typeface="Arial" panose="020B0604020202020204" pitchFamily="34" charset="0"/>
-              </a:rPr>
-              <a:t> Vendégtér</a:t>
-            </a:r>
-          </a:p>
-          <a:p>
-            <a:pPr marR="0" lvl="0" defTabSz="914400" rtl="0" eaLnBrk="0" fontAlgn="base" latinLnBrk="0" hangingPunct="0">
-              <a:lnSpc>
-                <a:spcPct val="110000"/>
-              </a:lnSpc>
-              <a:spcBef>
-                <a:spcPct val="0"/>
-              </a:spcBef>
-              <a:spcAft>
-                <a:spcPts val="600"/>
-              </a:spcAft>
-              <a:buClrTx/>
-              <a:buSzTx/>
-              <a:buFont typeface="Courier New" panose="02070309020205020404" pitchFamily="49" charset="0"/>
-              <a:buChar char="o"/>
-              <a:tabLst/>
-            </a:pPr>
-            <a:r>
-              <a:rPr kumimoji="0" lang="hu-HU" altLang="hu-HU" sz="2200" b="0" i="0" u="none" strike="noStrike" cap="none" normalizeH="0" baseline="0" dirty="0">
-                <a:ln>
-                  <a:noFill/>
-                </a:ln>
-                <a:effectLst/>
-                <a:latin typeface="Arial" panose="020B0604020202020204" pitchFamily="34" charset="0"/>
-              </a:rPr>
-              <a:t>VLAN 11 biztosítja a logikai elkülönítést</a:t>
-            </a:r>
-          </a:p>
-          <a:p>
-            <a:pPr marR="0" lvl="0" defTabSz="914400" rtl="0" eaLnBrk="0" fontAlgn="base" latinLnBrk="0" hangingPunct="0">
-              <a:lnSpc>
-                <a:spcPct val="110000"/>
-              </a:lnSpc>
-              <a:spcBef>
-                <a:spcPct val="0"/>
-              </a:spcBef>
-              <a:spcAft>
-                <a:spcPts val="600"/>
-              </a:spcAft>
-              <a:buClrTx/>
-              <a:buSzTx/>
-              <a:buFont typeface="Courier New" panose="02070309020205020404" pitchFamily="49" charset="0"/>
-              <a:buChar char="o"/>
-              <a:tabLst/>
-            </a:pPr>
-            <a:r>
-              <a:rPr kumimoji="0" lang="hu-HU" altLang="hu-HU" sz="2200" b="0" i="0" u="none" strike="noStrike" cap="none" normalizeH="0" baseline="0" dirty="0">
-                <a:ln>
-                  <a:noFill/>
-                </a:ln>
-                <a:effectLst/>
-                <a:latin typeface="Arial" panose="020B0604020202020204" pitchFamily="34" charset="0"/>
-              </a:rPr>
-              <a:t>Statikus IP-k és DHCP kombinálás</a:t>
-            </a:r>
-          </a:p>
-          <a:p>
-            <a:pPr marR="0" lvl="0" defTabSz="914400" rtl="0" eaLnBrk="0" fontAlgn="base" latinLnBrk="0" hangingPunct="0">
-              <a:lnSpc>
-                <a:spcPct val="110000"/>
-              </a:lnSpc>
-              <a:spcBef>
-                <a:spcPct val="0"/>
-              </a:spcBef>
-              <a:spcAft>
-                <a:spcPts val="600"/>
-              </a:spcAft>
-              <a:buClrTx/>
-              <a:buSzTx/>
-              <a:buFont typeface="Courier New" panose="02070309020205020404" pitchFamily="49" charset="0"/>
-              <a:buChar char="o"/>
-              <a:tabLst/>
-            </a:pPr>
-            <a:r>
-              <a:rPr kumimoji="0" lang="hu-HU" altLang="hu-HU" sz="2200" b="0" i="0" u="none" strike="noStrike" cap="none" normalizeH="0" baseline="0" dirty="0">
-                <a:ln>
-                  <a:noFill/>
-                </a:ln>
-                <a:effectLst/>
-                <a:latin typeface="Arial" panose="020B0604020202020204" pitchFamily="34" charset="0"/>
-              </a:rPr>
-              <a:t>Cisco eszközök és switch konfigurációk</a:t>
-            </a:r>
-          </a:p>
-        </p:txBody>
-      </p:sp>
-    </p:spTree>
-    <p:extLst>
-      <p:ext uri="{BB962C8B-B14F-4D97-AF65-F5344CB8AC3E}">
-        <p14:creationId xmlns:p14="http://schemas.microsoft.com/office/powerpoint/2010/main" val="952485303"/>
-      </p:ext>
-    </p:extLst>
-  </p:cSld>
-  <p:clrMapOvr>
-    <a:masterClrMapping/>
-  </p:clrMapOvr>
-</p:sld>
-</file>
-
-<file path=ppt/slides/slide4.xml><?xml version="1.0" encoding="utf-8"?>
-<p:sld xmlns:a="http://schemas.openxmlformats.org/drawingml/2006/main" xmlns:r="http://schemas.openxmlformats.org/officeDocument/2006/relationships" xmlns:p="http://schemas.openxmlformats.org/presentationml/2006/main">
-  <p:cSld>
-    <p:spTree>
-      <p:nvGrpSpPr>
-        <p:cNvPr id="1" name=""/>
-        <p:cNvGrpSpPr/>
-        <p:nvPr/>
-      </p:nvGrpSpPr>
-      <p:grpSpPr>
-        <a:xfrm>
-          <a:off x="0" y="0"/>
-          <a:ext cx="0" cy="0"/>
-          <a:chOff x="0" y="0"/>
-          <a:chExt cx="0" cy="0"/>
-        </a:xfrm>
-      </p:grpSpPr>
-      <p:sp>
-        <p:nvSpPr>
-          <p:cNvPr id="2" name="Title 1">
-            <a:extLst>
-              <a:ext uri="{FF2B5EF4-FFF2-40B4-BE49-F238E27FC236}">
-                <a16:creationId xmlns:a16="http://schemas.microsoft.com/office/drawing/2014/main" id="{22388F28-92DE-68C1-DF28-62E904609DD0}"/>
-              </a:ext>
-            </a:extLst>
-          </p:cNvPr>
-          <p:cNvSpPr>
-            <a:spLocks noGrp="1"/>
-          </p:cNvSpPr>
-          <p:nvPr>
-            <p:ph type="title"/>
-          </p:nvPr>
-        </p:nvSpPr>
-        <p:spPr>
-          <a:xfrm>
-            <a:off x="1217544" y="506896"/>
-            <a:ext cx="9905998" cy="842533"/>
-          </a:xfrm>
-        </p:spPr>
-        <p:txBody>
-          <a:bodyPr/>
-          <a:lstStyle/>
-          <a:p>
-            <a:r>
-              <a:rPr lang="hu-HU" dirty="0"/>
-              <a:t>A szerverszoba szerepe és működése</a:t>
-            </a:r>
-          </a:p>
-        </p:txBody>
-      </p:sp>
-      <p:graphicFrame>
-        <p:nvGraphicFramePr>
-          <p:cNvPr id="5" name="Content Placeholder 4">
-            <a:extLst>
-              <a:ext uri="{FF2B5EF4-FFF2-40B4-BE49-F238E27FC236}">
-                <a16:creationId xmlns:a16="http://schemas.microsoft.com/office/drawing/2014/main" id="{B38CB038-4196-018A-AADA-09CA1A7725C5}"/>
-              </a:ext>
-            </a:extLst>
-          </p:cNvPr>
-          <p:cNvGraphicFramePr>
-            <a:graphicFrameLocks noGrp="1"/>
-          </p:cNvGraphicFramePr>
-          <p:nvPr>
-            <p:ph idx="1"/>
-            <p:extLst>
-              <p:ext uri="{D42A27DB-BD31-4B8C-83A1-F6EECF244321}">
-                <p14:modId xmlns:p14="http://schemas.microsoft.com/office/powerpoint/2010/main" val="911461176"/>
-              </p:ext>
-            </p:extLst>
-          </p:nvPr>
-        </p:nvGraphicFramePr>
-        <p:xfrm>
-          <a:off x="1141413" y="2249488"/>
-          <a:ext cx="9906000" cy="3541712"/>
-        </p:xfrm>
-        <a:graphic>
-          <a:graphicData uri="http://schemas.openxmlformats.org/drawingml/2006/diagram">
-            <dgm:relIds xmlns:dgm="http://schemas.openxmlformats.org/drawingml/2006/diagram" xmlns:r="http://schemas.openxmlformats.org/officeDocument/2006/relationships" r:dm="rId2" r:lo="rId3" r:qs="rId4" r:cs="rId5"/>
-          </a:graphicData>
-        </a:graphic>
-      </p:graphicFrame>
-    </p:spTree>
-    <p:extLst>
-      <p:ext uri="{BB962C8B-B14F-4D97-AF65-F5344CB8AC3E}">
-        <p14:creationId xmlns:p14="http://schemas.microsoft.com/office/powerpoint/2010/main" val="2497572511"/>
-      </p:ext>
-    </p:extLst>
-  </p:cSld>
-  <p:clrMapOvr>
-    <a:masterClrMapping/>
-  </p:clrMapOvr>
-</p:sld>
-</file>
-
-<file path=ppt/slides/slide5.xml><?xml version="1.0" encoding="utf-8"?>
-<p:sld xmlns:a="http://schemas.openxmlformats.org/drawingml/2006/main" xmlns:r="http://schemas.openxmlformats.org/officeDocument/2006/relationships" xmlns:p="http://schemas.openxmlformats.org/presentationml/2006/main">
-  <p:cSld>
-    <p:bg>
-      <p:bgRef idx="1003">
-        <a:schemeClr val="bg2"/>
-      </p:bgRef>
-    </p:bg>
-    <p:spTree>
-      <p:nvGrpSpPr>
-        <p:cNvPr id="1" name=""/>
-        <p:cNvGrpSpPr/>
-        <p:nvPr/>
-      </p:nvGrpSpPr>
-      <p:grpSpPr>
-        <a:xfrm>
-          <a:off x="0" y="0"/>
-          <a:ext cx="0" cy="0"/>
-          <a:chOff x="0" y="0"/>
-          <a:chExt cx="0" cy="0"/>
-        </a:xfrm>
-      </p:grpSpPr>
-      <p:sp>
-        <p:nvSpPr>
-          <p:cNvPr id="2" name="Title 1">
-            <a:extLst>
-              <a:ext uri="{FF2B5EF4-FFF2-40B4-BE49-F238E27FC236}">
-                <a16:creationId xmlns:a16="http://schemas.microsoft.com/office/drawing/2014/main" id="{22388F28-92DE-68C1-DF28-62E904609DD0}"/>
-              </a:ext>
-            </a:extLst>
-          </p:cNvPr>
-          <p:cNvSpPr>
-            <a:spLocks noGrp="1"/>
-          </p:cNvSpPr>
-          <p:nvPr>
-            <p:ph type="title"/>
-          </p:nvPr>
-        </p:nvSpPr>
-        <p:spPr/>
-        <p:txBody>
-          <a:bodyPr>
-            <a:normAutofit/>
-          </a:bodyPr>
-          <a:lstStyle/>
-          <a:p>
-            <a:r>
-              <a:rPr lang="hu-HU" dirty="0"/>
-              <a:t>Adminisztratív eszközök és hálózati kapcsolatuk</a:t>
-            </a:r>
-          </a:p>
-        </p:txBody>
-      </p:sp>
-      <p:graphicFrame>
-        <p:nvGraphicFramePr>
-          <p:cNvPr id="7" name="Content Placeholder 6">
-            <a:extLst>
-              <a:ext uri="{FF2B5EF4-FFF2-40B4-BE49-F238E27FC236}">
-                <a16:creationId xmlns:a16="http://schemas.microsoft.com/office/drawing/2014/main" id="{05342D2A-33C1-12C7-A203-04A4F50338DD}"/>
-              </a:ext>
-            </a:extLst>
-          </p:cNvPr>
-          <p:cNvGraphicFramePr>
-            <a:graphicFrameLocks noGrp="1"/>
-          </p:cNvGraphicFramePr>
-          <p:nvPr>
-            <p:ph idx="1"/>
-            <p:extLst>
-              <p:ext uri="{D42A27DB-BD31-4B8C-83A1-F6EECF244321}">
-                <p14:modId xmlns:p14="http://schemas.microsoft.com/office/powerpoint/2010/main" val="1754330068"/>
-              </p:ext>
-            </p:extLst>
-          </p:nvPr>
-        </p:nvGraphicFramePr>
-        <p:xfrm>
-          <a:off x="5734878" y="2378696"/>
-          <a:ext cx="6097658" cy="3394290"/>
-        </p:xfrm>
-        <a:graphic>
-          <a:graphicData uri="http://schemas.openxmlformats.org/drawingml/2006/table">
-            <a:tbl>
-              <a:tblPr firstRow="1" bandRow="1">
-                <a:tableStyleId>{69CF1AB2-1976-4502-BF36-3FF5EA218861}</a:tableStyleId>
-              </a:tblPr>
-              <a:tblGrid>
-                <a:gridCol w="1247361">
-                  <a:extLst>
-                    <a:ext uri="{9D8B030D-6E8A-4147-A177-3AD203B41FA5}">
-                      <a16:colId xmlns:a16="http://schemas.microsoft.com/office/drawing/2014/main" val="374051320"/>
-                    </a:ext>
-                  </a:extLst>
-                </a:gridCol>
-                <a:gridCol w="4850297">
-                  <a:extLst>
-                    <a:ext uri="{9D8B030D-6E8A-4147-A177-3AD203B41FA5}">
-                      <a16:colId xmlns:a16="http://schemas.microsoft.com/office/drawing/2014/main" val="3716890703"/>
-                    </a:ext>
-                  </a:extLst>
-                </a:gridCol>
-              </a:tblGrid>
-              <a:tr h="1040048">
-                <a:tc>
-                  <a:txBody>
-                    <a:bodyPr/>
-                    <a:lstStyle/>
-                    <a:p>
-                      <a:pPr algn="ctr"/>
-                      <a:r>
-                        <a:rPr lang="hu-HU" b="1" dirty="0"/>
-                        <a:t>Eszközök</a:t>
-                      </a:r>
-                    </a:p>
-                  </a:txBody>
-                  <a:tcPr anchor="ctr">
-                    <a:solidFill>
-                      <a:schemeClr val="accent1">
-                        <a:lumMod val="20000"/>
-                        <a:lumOff val="80000"/>
-                      </a:schemeClr>
-                    </a:solidFill>
-                  </a:tcPr>
-                </a:tc>
-                <a:tc>
-                  <a:txBody>
-                    <a:bodyPr/>
-                    <a:lstStyle/>
-                    <a:p>
-                      <a:pPr algn="ctr"/>
-                      <a:r>
-                        <a:rPr lang="hu-HU" b="0" dirty="0"/>
-                        <a:t>1 laptop</a:t>
-                      </a:r>
-                    </a:p>
-                    <a:p>
-                      <a:pPr algn="ctr"/>
-                      <a:r>
-                        <a:rPr lang="hu-HU" b="0" dirty="0"/>
-                        <a:t>1 asztali számítógép (PC)</a:t>
-                      </a:r>
-                    </a:p>
-                  </a:txBody>
-                  <a:tcPr anchor="ctr">
-                    <a:solidFill>
-                      <a:schemeClr val="accent1">
-                        <a:lumMod val="20000"/>
-                        <a:lumOff val="80000"/>
-                      </a:schemeClr>
-                    </a:solidFill>
-                  </a:tcPr>
-                </a:tc>
-                <a:extLst>
-                  <a:ext uri="{0D108BD9-81ED-4DB2-BD59-A6C34878D82A}">
-                    <a16:rowId xmlns:a16="http://schemas.microsoft.com/office/drawing/2014/main" val="3627228009"/>
-                  </a:ext>
-                </a:extLst>
-              </a:tr>
-              <a:tr h="1165522">
-                <a:tc>
-                  <a:txBody>
-                    <a:bodyPr/>
-                    <a:lstStyle/>
-                    <a:p>
-                      <a:pPr algn="ctr"/>
-                      <a:r>
-                        <a:rPr lang="hu-HU" b="1" dirty="0"/>
-                        <a:t>Kapcsolat</a:t>
-                      </a:r>
-                    </a:p>
-                  </a:txBody>
-                  <a:tcPr anchor="ctr">
-                    <a:solidFill>
-                      <a:schemeClr val="accent1">
-                        <a:lumMod val="20000"/>
-                        <a:lumOff val="80000"/>
-                      </a:schemeClr>
-                    </a:solidFill>
-                  </a:tcPr>
-                </a:tc>
-                <a:tc>
-                  <a:txBody>
-                    <a:bodyPr/>
-                    <a:lstStyle/>
-                    <a:p>
-                      <a:pPr algn="ctr"/>
-                      <a:r>
-                        <a:rPr lang="hu-HU" b="0" dirty="0"/>
-                        <a:t>Switch kapcsolaton keresztül csatlakoznak VLAN 11-re</a:t>
-                      </a:r>
-                    </a:p>
-                    <a:p>
-                      <a:pPr algn="ctr"/>
-                      <a:r>
-                        <a:rPr lang="hu-HU" b="0" dirty="0"/>
-                        <a:t>DHCP vagy statikus IP-cím használata</a:t>
-                      </a:r>
-                    </a:p>
-                  </a:txBody>
-                  <a:tcPr anchor="ctr">
-                    <a:solidFill>
-                      <a:schemeClr val="accent1">
-                        <a:lumMod val="20000"/>
-                        <a:lumOff val="80000"/>
-                      </a:schemeClr>
-                    </a:solidFill>
-                  </a:tcPr>
-                </a:tc>
-                <a:extLst>
-                  <a:ext uri="{0D108BD9-81ED-4DB2-BD59-A6C34878D82A}">
-                    <a16:rowId xmlns:a16="http://schemas.microsoft.com/office/drawing/2014/main" val="175889703"/>
-                  </a:ext>
-                </a:extLst>
-              </a:tr>
-              <a:tr h="1165522">
-                <a:tc>
-                  <a:txBody>
-                    <a:bodyPr/>
-                    <a:lstStyle/>
-                    <a:p>
-                      <a:pPr algn="ctr"/>
-                      <a:r>
-                        <a:rPr lang="hu-HU" b="1" dirty="0"/>
-                        <a:t>Funkciók</a:t>
-                      </a:r>
-                    </a:p>
-                  </a:txBody>
-                  <a:tcPr anchor="ctr">
-                    <a:solidFill>
-                      <a:schemeClr val="accent1">
-                        <a:lumMod val="20000"/>
-                        <a:lumOff val="80000"/>
-                      </a:schemeClr>
-                    </a:solidFill>
-                  </a:tcPr>
-                </a:tc>
-                <a:tc>
-                  <a:txBody>
-                    <a:bodyPr/>
-                    <a:lstStyle/>
-                    <a:p>
-                      <a:pPr algn="ctr"/>
-                      <a:r>
-                        <a:rPr lang="hu-HU" b="0" dirty="0"/>
-                        <a:t>Adminisztrációs feladatok elvégzése (pl. rendeléskezelés, riportok)</a:t>
-                      </a:r>
-                    </a:p>
-                    <a:p>
-                      <a:pPr algn="ctr"/>
-                      <a:r>
-                        <a:rPr lang="hu-HU" b="0" dirty="0"/>
-                        <a:t>Webes és e-mail szolgáltatások használata</a:t>
-                      </a:r>
-                    </a:p>
-                    <a:p>
-                      <a:pPr algn="ctr"/>
-                      <a:r>
-                        <a:rPr lang="hu-HU" b="0" dirty="0"/>
-                        <a:t>Fájlmegosztás FTP-n keresztül</a:t>
-                      </a:r>
-                    </a:p>
-                  </a:txBody>
-                  <a:tcPr anchor="ctr">
-                    <a:solidFill>
-                      <a:schemeClr val="accent1">
-                        <a:lumMod val="20000"/>
-                        <a:lumOff val="80000"/>
-                      </a:schemeClr>
-                    </a:solidFill>
-                  </a:tcPr>
-                </a:tc>
-                <a:extLst>
-                  <a:ext uri="{0D108BD9-81ED-4DB2-BD59-A6C34878D82A}">
-                    <a16:rowId xmlns:a16="http://schemas.microsoft.com/office/drawing/2014/main" val="1358004861"/>
-                  </a:ext>
-                </a:extLst>
-              </a:tr>
-            </a:tbl>
-          </a:graphicData>
-        </a:graphic>
-      </p:graphicFrame>
-      <p:pic>
-        <p:nvPicPr>
-          <p:cNvPr id="70" name="Picture 69">
-            <a:extLst>
-              <a:ext uri="{FF2B5EF4-FFF2-40B4-BE49-F238E27FC236}">
-                <a16:creationId xmlns:a16="http://schemas.microsoft.com/office/drawing/2014/main" id="{65EB5DC6-1EF8-82CE-B193-3C1F00BBBF07}"/>
-              </a:ext>
-            </a:extLst>
-          </p:cNvPr>
-          <p:cNvPicPr>
-            <a:picLocks noChangeAspect="1"/>
-          </p:cNvPicPr>
-          <p:nvPr/>
-        </p:nvPicPr>
-        <p:blipFill>
-          <a:blip r:embed="rId3"/>
-          <a:stretch>
-            <a:fillRect/>
-          </a:stretch>
-        </p:blipFill>
-        <p:spPr>
-          <a:xfrm>
-            <a:off x="299828" y="2788720"/>
-            <a:ext cx="5212607" cy="2160968"/>
-          </a:xfrm>
-          <a:prstGeom prst="round2DiagRect">
-            <a:avLst>
-              <a:gd name="adj1" fmla="val 5608"/>
-              <a:gd name="adj2" fmla="val 0"/>
-            </a:avLst>
-          </a:prstGeom>
-          <a:ln w="19050" cap="sq">
-            <a:solidFill>
-              <a:schemeClr val="tx2">
-                <a:lumMod val="60000"/>
-                <a:lumOff val="40000"/>
-                <a:alpha val="60000"/>
-              </a:schemeClr>
-            </a:solidFill>
-            <a:miter lim="800000"/>
-          </a:ln>
-          <a:effectLst>
-            <a:outerShdw blurRad="88900" dist="38100" dir="5400000" algn="t" rotWithShape="0">
-              <a:prstClr val="black">
-                <a:alpha val="40000"/>
-              </a:prstClr>
-            </a:outerShdw>
-          </a:effectLst>
-        </p:spPr>
-      </p:pic>
-    </p:spTree>
-    <p:extLst>
-      <p:ext uri="{BB962C8B-B14F-4D97-AF65-F5344CB8AC3E}">
-        <p14:creationId xmlns:p14="http://schemas.microsoft.com/office/powerpoint/2010/main" val="181632023"/>
-      </p:ext>
-    </p:extLst>
-  </p:cSld>
-  <p:clrMapOvr>
-    <a:overrideClrMapping bg1="dk1" tx1="lt1" bg2="dk2" tx2="lt2" accent1="accent1" accent2="accent2" accent3="accent3" accent4="accent4" accent5="accent5" accent6="accent6" hlink="hlink" folHlink="folHlink"/>
-  </p:clrMapOvr>
-</p:sld>
-</file>
-
-<file path=ppt/slides/slide6.xml><?xml version="1.0" encoding="utf-8"?>
-<p:sld xmlns:a="http://schemas.openxmlformats.org/drawingml/2006/main" xmlns:r="http://schemas.openxmlformats.org/officeDocument/2006/relationships" xmlns:p="http://schemas.openxmlformats.org/presentationml/2006/main">
-  <p:cSld>
-    <p:spTree>
-      <p:nvGrpSpPr>
-        <p:cNvPr id="1" name=""/>
-        <p:cNvGrpSpPr/>
-        <p:nvPr/>
-      </p:nvGrpSpPr>
-      <p:grpSpPr>
-        <a:xfrm>
-          <a:off x="0" y="0"/>
-          <a:ext cx="0" cy="0"/>
-          <a:chOff x="0" y="0"/>
-          <a:chExt cx="0" cy="0"/>
-        </a:xfrm>
-      </p:grpSpPr>
-      <p:sp>
-        <p:nvSpPr>
-          <p:cNvPr id="2" name="Title 1">
-            <a:extLst>
-              <a:ext uri="{FF2B5EF4-FFF2-40B4-BE49-F238E27FC236}">
-                <a16:creationId xmlns:a16="http://schemas.microsoft.com/office/drawing/2014/main" id="{22388F28-92DE-68C1-DF28-62E904609DD0}"/>
-              </a:ext>
-            </a:extLst>
-          </p:cNvPr>
-          <p:cNvSpPr>
-            <a:spLocks noGrp="1"/>
-          </p:cNvSpPr>
-          <p:nvPr>
-            <p:ph type="title"/>
-          </p:nvPr>
-        </p:nvSpPr>
-        <p:spPr>
-          <a:xfrm>
-            <a:off x="1141413" y="618518"/>
-            <a:ext cx="9905998" cy="1478570"/>
-          </a:xfrm>
-        </p:spPr>
-        <p:txBody>
-          <a:bodyPr>
-            <a:normAutofit/>
-          </a:bodyPr>
-          <a:lstStyle/>
-          <a:p>
-            <a:r>
-              <a:rPr lang="hu-HU" dirty="0"/>
-              <a:t>RENDELÉSKEZELÉS ÉS KONYHAI MEGJELENÍTÉS</a:t>
-            </a:r>
-          </a:p>
-        </p:txBody>
-      </p:sp>
-      <p:graphicFrame>
-        <p:nvGraphicFramePr>
-          <p:cNvPr id="7" name="Content Placeholder 6">
-            <a:extLst>
-              <a:ext uri="{FF2B5EF4-FFF2-40B4-BE49-F238E27FC236}">
-                <a16:creationId xmlns:a16="http://schemas.microsoft.com/office/drawing/2014/main" id="{05342D2A-33C1-12C7-A203-04A4F50338DD}"/>
-              </a:ext>
-            </a:extLst>
-          </p:cNvPr>
-          <p:cNvGraphicFramePr>
-            <a:graphicFrameLocks noGrp="1"/>
-          </p:cNvGraphicFramePr>
-          <p:nvPr>
-            <p:ph idx="1"/>
-            <p:extLst>
-              <p:ext uri="{D42A27DB-BD31-4B8C-83A1-F6EECF244321}">
-                <p14:modId xmlns:p14="http://schemas.microsoft.com/office/powerpoint/2010/main" val="1744299782"/>
-              </p:ext>
-            </p:extLst>
-          </p:nvPr>
-        </p:nvGraphicFramePr>
-        <p:xfrm>
-          <a:off x="5002766" y="2378695"/>
-          <a:ext cx="6829770" cy="3310218"/>
-        </p:xfrm>
-        <a:graphic>
-          <a:graphicData uri="http://schemas.openxmlformats.org/drawingml/2006/table">
-            <a:tbl>
-              <a:tblPr firstRow="1" bandRow="1">
-                <a:tableStyleId>{69CF1AB2-1976-4502-BF36-3FF5EA218861}</a:tableStyleId>
-              </a:tblPr>
-              <a:tblGrid>
-                <a:gridCol w="1278764">
-                  <a:extLst>
-                    <a:ext uri="{9D8B030D-6E8A-4147-A177-3AD203B41FA5}">
-                      <a16:colId xmlns:a16="http://schemas.microsoft.com/office/drawing/2014/main" val="374051320"/>
-                    </a:ext>
-                  </a:extLst>
-                </a:gridCol>
-                <a:gridCol w="5551006">
-                  <a:extLst>
-                    <a:ext uri="{9D8B030D-6E8A-4147-A177-3AD203B41FA5}">
-                      <a16:colId xmlns:a16="http://schemas.microsoft.com/office/drawing/2014/main" val="3716890703"/>
-                    </a:ext>
-                  </a:extLst>
-                </a:gridCol>
-              </a:tblGrid>
-              <a:tr h="1060749">
-                <a:tc>
-                  <a:txBody>
-                    <a:bodyPr/>
-                    <a:lstStyle/>
-                    <a:p>
-                      <a:pPr algn="ctr"/>
-                      <a:r>
-                        <a:rPr lang="hu-HU" b="0" dirty="0"/>
-                        <a:t>Eszközök</a:t>
-                      </a:r>
-                    </a:p>
-                  </a:txBody>
-                  <a:tcPr anchor="ctr">
-                    <a:solidFill>
-                      <a:schemeClr val="accent4">
-                        <a:lumMod val="20000"/>
-                        <a:lumOff val="80000"/>
-                      </a:schemeClr>
-                    </a:solidFill>
-                  </a:tcPr>
-                </a:tc>
-                <a:tc>
-                  <a:txBody>
-                    <a:bodyPr/>
-                    <a:lstStyle/>
-                    <a:p>
-                      <a:pPr algn="ctr"/>
-                      <a:r>
-                        <a:rPr lang="hu-HU" b="0" dirty="0"/>
-                        <a:t>2 rendelésfelvevő kioszk</a:t>
-                      </a:r>
-                    </a:p>
-                    <a:p>
-                      <a:pPr algn="ctr"/>
-                      <a:r>
-                        <a:rPr lang="hu-HU" b="0" dirty="0"/>
-                        <a:t>1 TV kijelző (a konyhában)</a:t>
-                      </a:r>
-                    </a:p>
-                  </a:txBody>
-                  <a:tcPr anchor="ctr">
-                    <a:solidFill>
-                      <a:schemeClr val="accent4">
-                        <a:lumMod val="20000"/>
-                        <a:lumOff val="80000"/>
-                      </a:schemeClr>
-                    </a:solidFill>
-                  </a:tcPr>
-                </a:tc>
-                <a:extLst>
-                  <a:ext uri="{0D108BD9-81ED-4DB2-BD59-A6C34878D82A}">
-                    <a16:rowId xmlns:a16="http://schemas.microsoft.com/office/drawing/2014/main" val="3627228009"/>
-                  </a:ext>
-                </a:extLst>
-              </a:tr>
-              <a:tr h="1060749">
-                <a:tc>
-                  <a:txBody>
-                    <a:bodyPr/>
-                    <a:lstStyle/>
-                    <a:p>
-                      <a:pPr algn="ctr"/>
-                      <a:r>
-                        <a:rPr lang="hu-HU" b="0" dirty="0"/>
-                        <a:t>Kapcsolat</a:t>
-                      </a:r>
-                    </a:p>
-                  </a:txBody>
-                  <a:tcPr anchor="ctr">
-                    <a:solidFill>
-                      <a:schemeClr val="accent4">
-                        <a:lumMod val="20000"/>
-                        <a:lumOff val="80000"/>
-                      </a:schemeClr>
-                    </a:solidFill>
-                  </a:tcPr>
-                </a:tc>
-                <a:tc>
-                  <a:txBody>
-                    <a:bodyPr/>
-                    <a:lstStyle/>
-                    <a:p>
-                      <a:pPr algn="ctr"/>
-                      <a:r>
-                        <a:rPr lang="hu-HU" b="0" dirty="0"/>
-                        <a:t>Switch kapcsolaton keresztül csatlakoznak VLAN 11-re</a:t>
-                      </a:r>
-                    </a:p>
-                    <a:p>
-                      <a:pPr algn="ctr"/>
-                      <a:r>
-                        <a:rPr lang="hu-HU" b="0" dirty="0"/>
-                        <a:t>DHCP vagy statikus IP-cím használata</a:t>
-                      </a:r>
-                    </a:p>
-                  </a:txBody>
-                  <a:tcPr anchor="ctr">
-                    <a:solidFill>
-                      <a:schemeClr val="accent4">
-                        <a:lumMod val="20000"/>
-                        <a:lumOff val="80000"/>
-                      </a:schemeClr>
-                    </a:solidFill>
-                  </a:tcPr>
-                </a:tc>
-                <a:extLst>
-                  <a:ext uri="{0D108BD9-81ED-4DB2-BD59-A6C34878D82A}">
-                    <a16:rowId xmlns:a16="http://schemas.microsoft.com/office/drawing/2014/main" val="175889703"/>
-                  </a:ext>
-                </a:extLst>
-              </a:tr>
-              <a:tr h="1060749">
-                <a:tc>
-                  <a:txBody>
-                    <a:bodyPr/>
-                    <a:lstStyle/>
-                    <a:p>
-                      <a:pPr algn="ctr"/>
-                      <a:r>
-                        <a:rPr lang="hu-HU" b="0" dirty="0"/>
-                        <a:t>Funkciók</a:t>
-                      </a:r>
-                    </a:p>
-                  </a:txBody>
-                  <a:tcPr anchor="ctr">
-                    <a:solidFill>
-                      <a:schemeClr val="accent4">
-                        <a:lumMod val="20000"/>
-                        <a:lumOff val="80000"/>
-                      </a:schemeClr>
-                    </a:solidFill>
-                  </a:tcPr>
-                </a:tc>
-                <a:tc>
-                  <a:txBody>
-                    <a:bodyPr/>
-                    <a:lstStyle/>
-                    <a:p>
-                      <a:pPr algn="ctr"/>
-                      <a:r>
-                        <a:rPr lang="hu-HU" b="0" dirty="0"/>
-                        <a:t>Rendelések felvétele, továbbítása a szerverre</a:t>
-                      </a:r>
-                    </a:p>
-                    <a:p>
-                      <a:pPr algn="ctr"/>
-                      <a:r>
-                        <a:rPr lang="hu-HU" b="0" dirty="0"/>
-                        <a:t>Kijelző a konyhában a rendelések valós idejű megjelenítésére</a:t>
-                      </a:r>
-                    </a:p>
-                    <a:p>
-                      <a:pPr algn="ctr"/>
-                      <a:r>
-                        <a:rPr lang="hu-HU" b="0" dirty="0"/>
-                        <a:t>Webes kapcsolat a HTTP szerverhez</a:t>
-                      </a:r>
-                    </a:p>
-                  </a:txBody>
-                  <a:tcPr anchor="ctr">
-                    <a:solidFill>
-                      <a:schemeClr val="accent4">
-                        <a:lumMod val="20000"/>
-                        <a:lumOff val="80000"/>
-                      </a:schemeClr>
-                    </a:solidFill>
-                  </a:tcPr>
-                </a:tc>
-                <a:extLst>
-                  <a:ext uri="{0D108BD9-81ED-4DB2-BD59-A6C34878D82A}">
-                    <a16:rowId xmlns:a16="http://schemas.microsoft.com/office/drawing/2014/main" val="1358004861"/>
-                  </a:ext>
-                </a:extLst>
-              </a:tr>
-            </a:tbl>
-          </a:graphicData>
-        </a:graphic>
-      </p:graphicFrame>
-      <p:pic>
-        <p:nvPicPr>
-          <p:cNvPr id="3" name="Picture 2">
-            <a:extLst>
-              <a:ext uri="{FF2B5EF4-FFF2-40B4-BE49-F238E27FC236}">
-                <a16:creationId xmlns:a16="http://schemas.microsoft.com/office/drawing/2014/main" id="{8F3F67CD-BCB5-F21A-0415-80328B75FCF1}"/>
-              </a:ext>
-            </a:extLst>
-          </p:cNvPr>
-          <p:cNvPicPr>
-            <a:picLocks noChangeAspect="1"/>
-          </p:cNvPicPr>
-          <p:nvPr/>
-        </p:nvPicPr>
-        <p:blipFill>
-          <a:blip r:embed="rId2"/>
-          <a:stretch>
-            <a:fillRect/>
-          </a:stretch>
-        </p:blipFill>
-        <p:spPr>
-          <a:xfrm>
-            <a:off x="192225" y="2834343"/>
-            <a:ext cx="4656306" cy="2282757"/>
-          </a:xfrm>
-          <a:prstGeom prst="round2DiagRect">
-            <a:avLst>
-              <a:gd name="adj1" fmla="val 5608"/>
-              <a:gd name="adj2" fmla="val 0"/>
-            </a:avLst>
-          </a:prstGeom>
-          <a:ln w="19050" cap="sq">
-            <a:solidFill>
-              <a:schemeClr val="tx2">
-                <a:lumMod val="60000"/>
-                <a:lumOff val="40000"/>
-                <a:alpha val="60000"/>
-              </a:schemeClr>
-            </a:solidFill>
-            <a:miter lim="800000"/>
-          </a:ln>
-          <a:effectLst>
-            <a:outerShdw blurRad="88900" dist="38100" dir="5400000" algn="t" rotWithShape="0">
-              <a:prstClr val="black">
-                <a:alpha val="40000"/>
-              </a:prstClr>
-            </a:outerShdw>
-          </a:effectLst>
-        </p:spPr>
-      </p:pic>
-    </p:spTree>
-    <p:extLst>
-      <p:ext uri="{BB962C8B-B14F-4D97-AF65-F5344CB8AC3E}">
-        <p14:creationId xmlns:p14="http://schemas.microsoft.com/office/powerpoint/2010/main" val="547323718"/>
-      </p:ext>
-    </p:extLst>
-  </p:cSld>
-  <p:clrMapOvr>
-    <a:masterClrMapping/>
-  </p:clrMapOvr>
-</p:sld>
-</file>
-
-<file path=ppt/slides/slide7.xml><?xml version="1.0" encoding="utf-8"?>
-<p:sld xmlns:a="http://schemas.openxmlformats.org/drawingml/2006/main" xmlns:r="http://schemas.openxmlformats.org/officeDocument/2006/relationships" xmlns:p="http://schemas.openxmlformats.org/presentationml/2006/main">
-  <p:cSld>
-    <p:spTree>
-      <p:nvGrpSpPr>
-        <p:cNvPr id="1" name=""/>
-        <p:cNvGrpSpPr/>
-        <p:nvPr/>
-      </p:nvGrpSpPr>
-      <p:grpSpPr>
-        <a:xfrm>
-          <a:off x="0" y="0"/>
-          <a:ext cx="0" cy="0"/>
-          <a:chOff x="0" y="0"/>
-          <a:chExt cx="0" cy="0"/>
-        </a:xfrm>
-      </p:grpSpPr>
-      <p:sp>
-        <p:nvSpPr>
-          <p:cNvPr id="2" name="Title 1">
-            <a:extLst>
-              <a:ext uri="{FF2B5EF4-FFF2-40B4-BE49-F238E27FC236}">
-                <a16:creationId xmlns:a16="http://schemas.microsoft.com/office/drawing/2014/main" id="{22388F28-92DE-68C1-DF28-62E904609DD0}"/>
-              </a:ext>
-            </a:extLst>
-          </p:cNvPr>
-          <p:cNvSpPr>
-            <a:spLocks noGrp="1"/>
-          </p:cNvSpPr>
-          <p:nvPr>
-            <p:ph type="title"/>
-          </p:nvPr>
-        </p:nvSpPr>
-        <p:spPr>
-          <a:xfrm>
-            <a:off x="1141413" y="618518"/>
-            <a:ext cx="9905998" cy="1478570"/>
-          </a:xfrm>
-        </p:spPr>
-        <p:txBody>
-          <a:bodyPr>
-            <a:normAutofit/>
-          </a:bodyPr>
-          <a:lstStyle/>
-          <a:p>
-            <a:r>
-              <a:rPr lang="hu-HU" dirty="0"/>
-              <a:t>Vendégtér és digitális menütáblák</a:t>
-            </a:r>
-          </a:p>
-        </p:txBody>
-      </p:sp>
-      <p:graphicFrame>
-        <p:nvGraphicFramePr>
-          <p:cNvPr id="7" name="Content Placeholder 6">
-            <a:extLst>
-              <a:ext uri="{FF2B5EF4-FFF2-40B4-BE49-F238E27FC236}">
-                <a16:creationId xmlns:a16="http://schemas.microsoft.com/office/drawing/2014/main" id="{05342D2A-33C1-12C7-A203-04A4F50338DD}"/>
-              </a:ext>
-            </a:extLst>
-          </p:cNvPr>
-          <p:cNvGraphicFramePr>
-            <a:graphicFrameLocks noGrp="1"/>
-          </p:cNvGraphicFramePr>
-          <p:nvPr>
-            <p:ph idx="1"/>
-            <p:extLst>
-              <p:ext uri="{D42A27DB-BD31-4B8C-83A1-F6EECF244321}">
-                <p14:modId xmlns:p14="http://schemas.microsoft.com/office/powerpoint/2010/main" val="2962791937"/>
-              </p:ext>
-            </p:extLst>
-          </p:nvPr>
-        </p:nvGraphicFramePr>
-        <p:xfrm>
-          <a:off x="5317435" y="2378696"/>
-          <a:ext cx="6515101" cy="3371092"/>
-        </p:xfrm>
-        <a:graphic>
-          <a:graphicData uri="http://schemas.openxmlformats.org/drawingml/2006/table">
-            <a:tbl>
-              <a:tblPr firstRow="1" bandRow="1">
-                <a:tableStyleId>{69CF1AB2-1976-4502-BF36-3FF5EA218861}</a:tableStyleId>
-              </a:tblPr>
-              <a:tblGrid>
-                <a:gridCol w="1219847">
-                  <a:extLst>
-                    <a:ext uri="{9D8B030D-6E8A-4147-A177-3AD203B41FA5}">
-                      <a16:colId xmlns:a16="http://schemas.microsoft.com/office/drawing/2014/main" val="374051320"/>
-                    </a:ext>
-                  </a:extLst>
-                </a:gridCol>
-                <a:gridCol w="5295254">
-                  <a:extLst>
-                    <a:ext uri="{9D8B030D-6E8A-4147-A177-3AD203B41FA5}">
-                      <a16:colId xmlns:a16="http://schemas.microsoft.com/office/drawing/2014/main" val="3716890703"/>
-                    </a:ext>
-                  </a:extLst>
-                </a:gridCol>
-              </a:tblGrid>
-              <a:tr h="1040048">
-                <a:tc>
-                  <a:txBody>
-                    <a:bodyPr/>
-                    <a:lstStyle/>
-                    <a:p>
-                      <a:pPr algn="ctr"/>
-                      <a:r>
-                        <a:rPr lang="hu-HU" b="1" dirty="0"/>
-                        <a:t>Eszközök</a:t>
-                      </a:r>
-                    </a:p>
-                  </a:txBody>
-                  <a:tcPr anchor="ctr">
-                    <a:solidFill>
-                      <a:srgbClr val="E7DFF5"/>
-                    </a:solidFill>
-                  </a:tcPr>
-                </a:tc>
-                <a:tc>
-                  <a:txBody>
-                    <a:bodyPr/>
-                    <a:lstStyle/>
-                    <a:p>
-                      <a:pPr algn="ctr"/>
-                      <a:r>
-                        <a:rPr lang="hu-HU" b="0" dirty="0"/>
-                        <a:t>2 digitális menütábla (felhőn keresztüli kapcsolattal)</a:t>
-                      </a:r>
-                    </a:p>
-                    <a:p>
-                      <a:pPr algn="ctr"/>
-                      <a:r>
-                        <a:rPr lang="hu-HU" b="0" dirty="0"/>
-                        <a:t>Vezeték nélküli router</a:t>
-                      </a:r>
-                    </a:p>
-                    <a:p>
-                      <a:pPr algn="ctr"/>
-                      <a:r>
-                        <a:rPr lang="hu-HU" b="0" dirty="0"/>
-                        <a:t>Vendég eszközök (pl. tabletek, mobilok)</a:t>
-                      </a:r>
-                    </a:p>
-                  </a:txBody>
-                  <a:tcPr anchor="ctr">
-                    <a:solidFill>
-                      <a:srgbClr val="E7DFF5"/>
-                    </a:solidFill>
-                  </a:tcPr>
-                </a:tc>
-                <a:extLst>
-                  <a:ext uri="{0D108BD9-81ED-4DB2-BD59-A6C34878D82A}">
-                    <a16:rowId xmlns:a16="http://schemas.microsoft.com/office/drawing/2014/main" val="3627228009"/>
-                  </a:ext>
-                </a:extLst>
-              </a:tr>
-              <a:tr h="1165522">
-                <a:tc>
-                  <a:txBody>
-                    <a:bodyPr/>
-                    <a:lstStyle/>
-                    <a:p>
-                      <a:pPr algn="ctr"/>
-                      <a:r>
-                        <a:rPr lang="hu-HU" b="1" dirty="0"/>
-                        <a:t>Kapcsolat</a:t>
-                      </a:r>
-                    </a:p>
-                  </a:txBody>
-                  <a:tcPr anchor="ctr">
-                    <a:solidFill>
-                      <a:srgbClr val="E7DFF5"/>
-                    </a:solidFill>
-                  </a:tcPr>
-                </a:tc>
-                <a:tc>
-                  <a:txBody>
-                    <a:bodyPr/>
-                    <a:lstStyle/>
-                    <a:p>
-                      <a:pPr algn="ctr"/>
-                      <a:r>
-                        <a:rPr lang="hu-HU" b="0" dirty="0"/>
-                        <a:t>Digitális menütáblák közvetlenül a felhőhöz csatlakoznak</a:t>
-                      </a:r>
-                    </a:p>
-                    <a:p>
-                      <a:pPr algn="ctr"/>
-                      <a:r>
-                        <a:rPr lang="hu-HU" b="0" dirty="0"/>
-                        <a:t>Vendég router VLAN 11-re kapcsolódik</a:t>
-                      </a:r>
-                    </a:p>
-                  </a:txBody>
-                  <a:tcPr anchor="ctr">
-                    <a:solidFill>
-                      <a:srgbClr val="E7DFF5"/>
-                    </a:solidFill>
-                  </a:tcPr>
-                </a:tc>
-                <a:extLst>
-                  <a:ext uri="{0D108BD9-81ED-4DB2-BD59-A6C34878D82A}">
-                    <a16:rowId xmlns:a16="http://schemas.microsoft.com/office/drawing/2014/main" val="175889703"/>
-                  </a:ext>
-                </a:extLst>
-              </a:tr>
-              <a:tr h="1165522">
-                <a:tc>
-                  <a:txBody>
-                    <a:bodyPr/>
-                    <a:lstStyle/>
-                    <a:p>
-                      <a:pPr algn="ctr"/>
-                      <a:r>
-                        <a:rPr lang="hu-HU" b="1" dirty="0"/>
-                        <a:t>Funkciók</a:t>
-                      </a:r>
-                    </a:p>
-                  </a:txBody>
-                  <a:tcPr anchor="ctr">
-                    <a:solidFill>
-                      <a:srgbClr val="E7DFF5"/>
-                    </a:solidFill>
-                  </a:tcPr>
-                </a:tc>
-                <a:tc>
-                  <a:txBody>
-                    <a:bodyPr/>
-                    <a:lstStyle/>
-                    <a:p>
-                      <a:pPr algn="ctr"/>
-                      <a:r>
-                        <a:rPr lang="hu-HU" b="0" dirty="0"/>
-                        <a:t>Információk megjelenítése a digitális menütáblákon</a:t>
-                      </a:r>
-                    </a:p>
-                    <a:p>
-                      <a:pPr algn="ctr"/>
-                      <a:r>
-                        <a:rPr lang="hu-HU" b="0" dirty="0"/>
-                        <a:t>Vendégek hozzáférése a helyi hálózathoz, ha szükséges</a:t>
-                      </a:r>
-                    </a:p>
-                    <a:p>
-                      <a:pPr algn="ctr"/>
-                      <a:r>
-                        <a:rPr lang="hu-HU" b="0" dirty="0"/>
-                        <a:t>Korlátozott internetelérés biztosítása a vendégeknek</a:t>
-                      </a:r>
-                    </a:p>
-                  </a:txBody>
-                  <a:tcPr anchor="ctr">
-                    <a:solidFill>
-                      <a:srgbClr val="E7DFF5"/>
-                    </a:solidFill>
-                  </a:tcPr>
-                </a:tc>
-                <a:extLst>
-                  <a:ext uri="{0D108BD9-81ED-4DB2-BD59-A6C34878D82A}">
-                    <a16:rowId xmlns:a16="http://schemas.microsoft.com/office/drawing/2014/main" val="1358004861"/>
-                  </a:ext>
-                </a:extLst>
-              </a:tr>
-            </a:tbl>
-          </a:graphicData>
-        </a:graphic>
-      </p:graphicFrame>
-      <p:pic>
-        <p:nvPicPr>
-          <p:cNvPr id="4" name="Picture 3">
-            <a:extLst>
-              <a:ext uri="{FF2B5EF4-FFF2-40B4-BE49-F238E27FC236}">
-                <a16:creationId xmlns:a16="http://schemas.microsoft.com/office/drawing/2014/main" id="{C1C5EBEE-0CB2-4824-DDCC-1DD9BD65DF78}"/>
-              </a:ext>
-            </a:extLst>
-          </p:cNvPr>
-          <p:cNvPicPr>
-            <a:picLocks noChangeAspect="1"/>
-          </p:cNvPicPr>
-          <p:nvPr/>
-        </p:nvPicPr>
-        <p:blipFill>
-          <a:blip r:embed="rId2"/>
-          <a:stretch>
-            <a:fillRect/>
-          </a:stretch>
-        </p:blipFill>
-        <p:spPr>
-          <a:xfrm>
-            <a:off x="1583705" y="2097088"/>
-            <a:ext cx="3132413" cy="4244739"/>
-          </a:xfrm>
-          <a:prstGeom prst="round2DiagRect">
-            <a:avLst>
-              <a:gd name="adj1" fmla="val 5608"/>
-              <a:gd name="adj2" fmla="val 0"/>
-            </a:avLst>
-          </a:prstGeom>
-          <a:ln w="19050" cap="sq">
-            <a:solidFill>
-              <a:schemeClr val="tx2">
-                <a:lumMod val="60000"/>
-                <a:lumOff val="40000"/>
-                <a:alpha val="60000"/>
-              </a:schemeClr>
-            </a:solidFill>
-            <a:miter lim="800000"/>
-          </a:ln>
-          <a:effectLst>
-            <a:outerShdw blurRad="88900" dist="38100" dir="5400000" algn="t" rotWithShape="0">
-              <a:prstClr val="black">
-                <a:alpha val="40000"/>
-              </a:prstClr>
-            </a:outerShdw>
-          </a:effectLst>
-        </p:spPr>
-      </p:pic>
-    </p:spTree>
-    <p:extLst>
-      <p:ext uri="{BB962C8B-B14F-4D97-AF65-F5344CB8AC3E}">
-        <p14:creationId xmlns:p14="http://schemas.microsoft.com/office/powerpoint/2010/main" val="1457051919"/>
-      </p:ext>
-    </p:extLst>
-  </p:cSld>
-  <p:clrMapOvr>
-    <a:masterClrMapping/>
-  </p:clrMapOvr>
-</p:sld>
-</file>
-
-<file path=ppt/slides/slide8.xml><?xml version="1.0" encoding="utf-8"?>
-<p:sld xmlns:a="http://schemas.openxmlformats.org/drawingml/2006/main" xmlns:r="http://schemas.openxmlformats.org/officeDocument/2006/relationships" xmlns:p="http://schemas.openxmlformats.org/presentationml/2006/main">
-  <p:cSld>
-    <p:spTree>
-      <p:nvGrpSpPr>
-        <p:cNvPr id="1" name=""/>
-        <p:cNvGrpSpPr/>
-        <p:nvPr/>
-      </p:nvGrpSpPr>
-      <p:grpSpPr>
-        <a:xfrm>
-          <a:off x="0" y="0"/>
-          <a:ext cx="0" cy="0"/>
-          <a:chOff x="0" y="0"/>
-          <a:chExt cx="0" cy="0"/>
-        </a:xfrm>
-      </p:grpSpPr>
-      <p:sp>
-        <p:nvSpPr>
-          <p:cNvPr id="2" name="Title 1">
-            <a:extLst>
-              <a:ext uri="{FF2B5EF4-FFF2-40B4-BE49-F238E27FC236}">
-                <a16:creationId xmlns:a16="http://schemas.microsoft.com/office/drawing/2014/main" id="{22388F28-92DE-68C1-DF28-62E904609DD0}"/>
-              </a:ext>
-            </a:extLst>
-          </p:cNvPr>
-          <p:cNvSpPr>
-            <a:spLocks noGrp="1"/>
-          </p:cNvSpPr>
-          <p:nvPr>
-            <p:ph type="title"/>
-          </p:nvPr>
-        </p:nvSpPr>
-        <p:spPr>
-          <a:xfrm>
-            <a:off x="1217544" y="506896"/>
-            <a:ext cx="9905998" cy="842533"/>
-          </a:xfrm>
-        </p:spPr>
-        <p:txBody>
-          <a:bodyPr>
-            <a:normAutofit fontScale="90000"/>
-          </a:bodyPr>
-          <a:lstStyle/>
-          <a:p>
-            <a:r>
-              <a:rPr lang="hu-HU" dirty="0"/>
-              <a:t>Kapcsolódási logika és forgalomszeparáció</a:t>
-            </a:r>
-          </a:p>
-        </p:txBody>
-      </p:sp>
-      <p:graphicFrame>
-        <p:nvGraphicFramePr>
-          <p:cNvPr id="3" name="Diagram 2">
-            <a:extLst>
-              <a:ext uri="{FF2B5EF4-FFF2-40B4-BE49-F238E27FC236}">
-                <a16:creationId xmlns:a16="http://schemas.microsoft.com/office/drawing/2014/main" id="{D5D7779A-825D-5017-12E3-D8F19643CFE9}"/>
-              </a:ext>
-            </a:extLst>
-          </p:cNvPr>
-          <p:cNvGraphicFramePr/>
-          <p:nvPr>
-            <p:extLst>
-              <p:ext uri="{D42A27DB-BD31-4B8C-83A1-F6EECF244321}">
-                <p14:modId xmlns:p14="http://schemas.microsoft.com/office/powerpoint/2010/main" val="4159358614"/>
-              </p:ext>
-            </p:extLst>
-          </p:nvPr>
-        </p:nvGraphicFramePr>
-        <p:xfrm>
-          <a:off x="1887883" y="1107292"/>
-          <a:ext cx="8128000" cy="5418667"/>
-        </p:xfrm>
-        <a:graphic>
-          <a:graphicData uri="http://schemas.openxmlformats.org/drawingml/2006/diagram">
-            <dgm:relIds xmlns:dgm="http://schemas.openxmlformats.org/drawingml/2006/diagram" xmlns:r="http://schemas.openxmlformats.org/officeDocument/2006/relationships" r:dm="rId2" r:lo="rId3" r:qs="rId4" r:cs="rId5"/>
-          </a:graphicData>
-        </a:graphic>
-      </p:graphicFrame>
-    </p:spTree>
-    <p:extLst>
-      <p:ext uri="{BB962C8B-B14F-4D97-AF65-F5344CB8AC3E}">
-        <p14:creationId xmlns:p14="http://schemas.microsoft.com/office/powerpoint/2010/main" val="1986800715"/>
-      </p:ext>
-    </p:extLst>
-  </p:cSld>
-  <p:clrMapOvr>
-    <a:masterClrMapping/>
-  </p:clrMapOvr>
-</p:sld>
-</file>
-
-<file path=ppt/slides/slide9.xml><?xml version="1.0" encoding="utf-8"?>
-<p:sld xmlns:a="http://schemas.openxmlformats.org/drawingml/2006/main" xmlns:r="http://schemas.openxmlformats.org/officeDocument/2006/relationships" xmlns:p="http://schemas.openxmlformats.org/presentationml/2006/main">
-  <p:cSld>
-    <p:spTree>
-      <p:nvGrpSpPr>
-        <p:cNvPr id="1" name=""/>
-        <p:cNvGrpSpPr/>
-        <p:nvPr/>
-      </p:nvGrpSpPr>
-      <p:grpSpPr>
-        <a:xfrm>
-          <a:off x="0" y="0"/>
-          <a:ext cx="0" cy="0"/>
-          <a:chOff x="0" y="0"/>
-          <a:chExt cx="0" cy="0"/>
-        </a:xfrm>
-      </p:grpSpPr>
-      <p:sp>
-        <p:nvSpPr>
-          <p:cNvPr id="2" name="Title 1">
-            <a:extLst>
-              <a:ext uri="{FF2B5EF4-FFF2-40B4-BE49-F238E27FC236}">
                 <a16:creationId xmlns:a16="http://schemas.microsoft.com/office/drawing/2014/main" id="{22388F28-92DE-68C1-DF28-62E904609DD0}"/>
               </a:ext>
             </a:extLst>
@@ -21956,6 +19721,2453 @@
 </p:sld>
 </file>
 
+<file path=ppt/slides/slide11.xml><?xml version="1.0" encoding="utf-8"?>
+<p:sld xmlns:a="http://schemas.openxmlformats.org/drawingml/2006/main" xmlns:r="http://schemas.openxmlformats.org/officeDocument/2006/relationships" xmlns:p="http://schemas.openxmlformats.org/presentationml/2006/main">
+  <p:cSld>
+    <p:spTree>
+      <p:nvGrpSpPr>
+        <p:cNvPr id="1" name=""/>
+        <p:cNvGrpSpPr/>
+        <p:nvPr/>
+      </p:nvGrpSpPr>
+      <p:grpSpPr>
+        <a:xfrm>
+          <a:off x="0" y="0"/>
+          <a:ext cx="0" cy="0"/>
+          <a:chOff x="0" y="0"/>
+          <a:chExt cx="0" cy="0"/>
+        </a:xfrm>
+      </p:grpSpPr>
+      <p:sp>
+        <p:nvSpPr>
+          <p:cNvPr id="2" name="Title 1">
+            <a:extLst>
+              <a:ext uri="{FF2B5EF4-FFF2-40B4-BE49-F238E27FC236}">
+                <a16:creationId xmlns:a16="http://schemas.microsoft.com/office/drawing/2014/main" id="{1324B2F5-F95A-0DAD-70CB-855C4097C4E0}"/>
+              </a:ext>
+            </a:extLst>
+          </p:cNvPr>
+          <p:cNvSpPr>
+            <a:spLocks noGrp="1"/>
+          </p:cNvSpPr>
+          <p:nvPr>
+            <p:ph type="title"/>
+          </p:nvPr>
+        </p:nvSpPr>
+        <p:spPr>
+          <a:xfrm>
+            <a:off x="1143001" y="2646101"/>
+            <a:ext cx="9905998" cy="1478570"/>
+          </a:xfrm>
+        </p:spPr>
+        <p:txBody>
+          <a:bodyPr/>
+          <a:lstStyle/>
+          <a:p>
+            <a:pPr algn="ctr"/>
+            <a:r>
+              <a:rPr lang="hu-HU" dirty="0"/>
+              <a:t>Köszönöm a figyelmet!</a:t>
+            </a:r>
+          </a:p>
+        </p:txBody>
+      </p:sp>
+    </p:spTree>
+    <p:extLst>
+      <p:ext uri="{BB962C8B-B14F-4D97-AF65-F5344CB8AC3E}">
+        <p14:creationId xmlns:p14="http://schemas.microsoft.com/office/powerpoint/2010/main" val="1240888971"/>
+      </p:ext>
+    </p:extLst>
+  </p:cSld>
+  <p:clrMapOvr>
+    <a:masterClrMapping/>
+  </p:clrMapOvr>
+</p:sld>
+</file>
+
+<file path=ppt/slides/slide2.xml><?xml version="1.0" encoding="utf-8"?>
+<p:sld xmlns:a="http://schemas.openxmlformats.org/drawingml/2006/main" xmlns:r="http://schemas.openxmlformats.org/officeDocument/2006/relationships" xmlns:p="http://schemas.openxmlformats.org/presentationml/2006/main">
+  <p:cSld>
+    <p:spTree>
+      <p:nvGrpSpPr>
+        <p:cNvPr id="1" name=""/>
+        <p:cNvGrpSpPr/>
+        <p:nvPr/>
+      </p:nvGrpSpPr>
+      <p:grpSpPr>
+        <a:xfrm>
+          <a:off x="0" y="0"/>
+          <a:ext cx="0" cy="0"/>
+          <a:chOff x="0" y="0"/>
+          <a:chExt cx="0" cy="0"/>
+        </a:xfrm>
+      </p:grpSpPr>
+      <p:sp>
+        <p:nvSpPr>
+          <p:cNvPr id="2" name="Title 1">
+            <a:extLst>
+              <a:ext uri="{FF2B5EF4-FFF2-40B4-BE49-F238E27FC236}">
+                <a16:creationId xmlns:a16="http://schemas.microsoft.com/office/drawing/2014/main" id="{D37CA2D2-196A-B3F1-C530-69790655199F}"/>
+              </a:ext>
+            </a:extLst>
+          </p:cNvPr>
+          <p:cNvSpPr>
+            <a:spLocks noGrp="1"/>
+          </p:cNvSpPr>
+          <p:nvPr>
+            <p:ph type="title"/>
+          </p:nvPr>
+        </p:nvSpPr>
+        <p:spPr/>
+        <p:txBody>
+          <a:bodyPr/>
+          <a:lstStyle/>
+          <a:p>
+            <a:r>
+              <a:rPr lang="hu-HU" dirty="0"/>
+              <a:t>TARTALOM</a:t>
+            </a:r>
+          </a:p>
+        </p:txBody>
+      </p:sp>
+      <p:sp>
+        <p:nvSpPr>
+          <p:cNvPr id="3" name="Content Placeholder 2">
+            <a:extLst>
+              <a:ext uri="{FF2B5EF4-FFF2-40B4-BE49-F238E27FC236}">
+                <a16:creationId xmlns:a16="http://schemas.microsoft.com/office/drawing/2014/main" id="{6D6EBCE2-C4F3-5C89-578E-3686E8289864}"/>
+              </a:ext>
+            </a:extLst>
+          </p:cNvPr>
+          <p:cNvSpPr>
+            <a:spLocks noGrp="1"/>
+          </p:cNvSpPr>
+          <p:nvPr>
+            <p:ph idx="1"/>
+          </p:nvPr>
+        </p:nvSpPr>
+        <p:spPr/>
+        <p:txBody>
+          <a:bodyPr>
+            <a:normAutofit fontScale="47500" lnSpcReduction="20000"/>
+          </a:bodyPr>
+          <a:lstStyle/>
+          <a:p>
+            <a:pPr marL="457200" indent="-457200">
+              <a:buFont typeface="+mj-lt"/>
+              <a:buAutoNum type="arabicPeriod"/>
+            </a:pPr>
+            <a:r>
+              <a:rPr lang="hu-HU" sz="4400" dirty="0"/>
+              <a:t>A hálózattervezés célja</a:t>
+            </a:r>
+          </a:p>
+          <a:p>
+            <a:pPr marL="457200" indent="-457200">
+              <a:buFont typeface="+mj-lt"/>
+              <a:buAutoNum type="arabicPeriod"/>
+            </a:pPr>
+            <a:r>
+              <a:rPr lang="hu-HU" sz="4400" dirty="0"/>
+              <a:t>Hálózati topológia</a:t>
+            </a:r>
+          </a:p>
+          <a:p>
+            <a:pPr marL="457200" indent="-457200">
+              <a:buFont typeface="+mj-lt"/>
+              <a:buAutoNum type="arabicPeriod"/>
+            </a:pPr>
+            <a:r>
+              <a:rPr lang="hu-HU" sz="4400" dirty="0"/>
+              <a:t>A szerverszoba szerepe és működése</a:t>
+            </a:r>
+          </a:p>
+          <a:p>
+            <a:pPr marL="457200" indent="-457200">
+              <a:buFont typeface="+mj-lt"/>
+              <a:buAutoNum type="arabicPeriod"/>
+            </a:pPr>
+            <a:r>
+              <a:rPr lang="hu-HU" sz="4400" dirty="0"/>
+              <a:t>Adminisztratív eszközök és hálózati kapcsolatuk</a:t>
+            </a:r>
+          </a:p>
+          <a:p>
+            <a:pPr marL="457200" indent="-457200">
+              <a:buFont typeface="+mj-lt"/>
+              <a:buAutoNum type="arabicPeriod"/>
+            </a:pPr>
+            <a:r>
+              <a:rPr lang="hu-HU" sz="4400" dirty="0"/>
+              <a:t>Rendeléskezelés és konyhai megjelenítés</a:t>
+            </a:r>
+          </a:p>
+          <a:p>
+            <a:pPr marL="457200" indent="-457200">
+              <a:buFont typeface="+mj-lt"/>
+              <a:buAutoNum type="arabicPeriod"/>
+            </a:pPr>
+            <a:r>
+              <a:rPr lang="hu-HU" sz="4400" dirty="0"/>
+              <a:t>Vendégtér és digitális menütáblák</a:t>
+            </a:r>
+          </a:p>
+          <a:p>
+            <a:pPr marL="457200" indent="-457200">
+              <a:buFont typeface="+mj-lt"/>
+              <a:buAutoNum type="arabicPeriod"/>
+            </a:pPr>
+            <a:r>
+              <a:rPr lang="hu-HU" sz="4400" dirty="0"/>
+              <a:t>Kapcsolódási logika és forgalomszeparáció</a:t>
+            </a:r>
+          </a:p>
+          <a:p>
+            <a:pPr marL="457200" indent="-457200">
+              <a:buFont typeface="+mj-lt"/>
+              <a:buAutoNum type="arabicPeriod"/>
+            </a:pPr>
+            <a:r>
+              <a:rPr lang="hu-HU" sz="4400" dirty="0"/>
+              <a:t>A hálózat tervezésének eredményei és tapasztalatai</a:t>
+            </a:r>
+          </a:p>
+          <a:p>
+            <a:pPr marL="457200" indent="-457200">
+              <a:buFont typeface="+mj-lt"/>
+              <a:buAutoNum type="arabicPeriod"/>
+            </a:pPr>
+            <a:endParaRPr lang="hu-HU" dirty="0"/>
+          </a:p>
+          <a:p>
+            <a:pPr marL="457200" indent="-457200">
+              <a:buFont typeface="+mj-lt"/>
+              <a:buAutoNum type="arabicPeriod"/>
+            </a:pPr>
+            <a:endParaRPr lang="hu-HU" dirty="0"/>
+          </a:p>
+          <a:p>
+            <a:pPr marL="457200" indent="-457200">
+              <a:buFont typeface="+mj-lt"/>
+              <a:buAutoNum type="arabicPeriod"/>
+            </a:pPr>
+            <a:endParaRPr lang="hu-HU" dirty="0"/>
+          </a:p>
+          <a:p>
+            <a:pPr marL="457200" indent="-457200">
+              <a:buFont typeface="+mj-lt"/>
+              <a:buAutoNum type="arabicPeriod"/>
+            </a:pPr>
+            <a:endParaRPr lang="hu-HU" dirty="0"/>
+          </a:p>
+          <a:p>
+            <a:pPr marL="457200" indent="-457200">
+              <a:buFont typeface="+mj-lt"/>
+              <a:buAutoNum type="arabicPeriod"/>
+            </a:pPr>
+            <a:endParaRPr lang="hu-HU" dirty="0"/>
+          </a:p>
+          <a:p>
+            <a:pPr marL="457200" indent="-457200">
+              <a:buFont typeface="+mj-lt"/>
+              <a:buAutoNum type="arabicPeriod"/>
+            </a:pPr>
+            <a:endParaRPr lang="hu-HU" dirty="0"/>
+          </a:p>
+        </p:txBody>
+      </p:sp>
+    </p:spTree>
+    <p:extLst>
+      <p:ext uri="{BB962C8B-B14F-4D97-AF65-F5344CB8AC3E}">
+        <p14:creationId xmlns:p14="http://schemas.microsoft.com/office/powerpoint/2010/main" val="926538169"/>
+      </p:ext>
+    </p:extLst>
+  </p:cSld>
+  <p:clrMapOvr>
+    <a:masterClrMapping/>
+  </p:clrMapOvr>
+</p:sld>
+</file>
+
+<file path=ppt/slides/slide3.xml><?xml version="1.0" encoding="utf-8"?>
+<p:sld xmlns:a="http://schemas.openxmlformats.org/drawingml/2006/main" xmlns:r="http://schemas.openxmlformats.org/officeDocument/2006/relationships" xmlns:p="http://schemas.openxmlformats.org/presentationml/2006/main">
+  <p:cSld>
+    <p:spTree>
+      <p:nvGrpSpPr>
+        <p:cNvPr id="1" name=""/>
+        <p:cNvGrpSpPr/>
+        <p:nvPr/>
+      </p:nvGrpSpPr>
+      <p:grpSpPr>
+        <a:xfrm>
+          <a:off x="0" y="0"/>
+          <a:ext cx="0" cy="0"/>
+          <a:chOff x="0" y="0"/>
+          <a:chExt cx="0" cy="0"/>
+        </a:xfrm>
+      </p:grpSpPr>
+      <p:sp>
+        <p:nvSpPr>
+          <p:cNvPr id="2" name="Title 1">
+            <a:extLst>
+              <a:ext uri="{FF2B5EF4-FFF2-40B4-BE49-F238E27FC236}">
+                <a16:creationId xmlns:a16="http://schemas.microsoft.com/office/drawing/2014/main" id="{22388F28-92DE-68C1-DF28-62E904609DD0}"/>
+              </a:ext>
+            </a:extLst>
+          </p:cNvPr>
+          <p:cNvSpPr>
+            <a:spLocks noGrp="1"/>
+          </p:cNvSpPr>
+          <p:nvPr>
+            <p:ph type="title"/>
+          </p:nvPr>
+        </p:nvSpPr>
+        <p:spPr>
+          <a:xfrm>
+            <a:off x="1217544" y="506896"/>
+            <a:ext cx="9905998" cy="842533"/>
+          </a:xfrm>
+        </p:spPr>
+        <p:txBody>
+          <a:bodyPr/>
+          <a:lstStyle/>
+          <a:p>
+            <a:r>
+              <a:rPr lang="hu-HU" dirty="0"/>
+              <a:t>A hálózattervezés célja</a:t>
+            </a:r>
+          </a:p>
+        </p:txBody>
+      </p:sp>
+      <p:sp>
+        <p:nvSpPr>
+          <p:cNvPr id="4" name="Rectangle 1">
+            <a:extLst>
+              <a:ext uri="{FF2B5EF4-FFF2-40B4-BE49-F238E27FC236}">
+                <a16:creationId xmlns:a16="http://schemas.microsoft.com/office/drawing/2014/main" id="{AA403AD8-46A7-32ED-B4AD-4F0EC53DDFA5}"/>
+              </a:ext>
+            </a:extLst>
+          </p:cNvPr>
+          <p:cNvSpPr>
+            <a:spLocks noGrp="1" noChangeArrowheads="1"/>
+          </p:cNvSpPr>
+          <p:nvPr>
+            <p:ph idx="1"/>
+          </p:nvPr>
+        </p:nvSpPr>
+        <p:spPr bwMode="auto">
+          <a:xfrm>
+            <a:off x="1143000" y="1782398"/>
+            <a:ext cx="9980542" cy="3293209"/>
+          </a:xfrm>
+          <a:prstGeom prst="rect">
+            <a:avLst/>
+          </a:prstGeom>
+          <a:noFill/>
+          <a:ln>
+            <a:noFill/>
+          </a:ln>
+          <a:effectLst/>
+          <a:extLst>
+            <a:ext uri="{909E8E84-426E-40DD-AFC4-6F175D3DCCD1}">
+              <a14:hiddenFill xmlns:a14="http://schemas.microsoft.com/office/drawing/2010/main">
+                <a:solidFill>
+                  <a:schemeClr val="accent1"/>
+                </a:solidFill>
+              </a14:hiddenFill>
+            </a:ext>
+            <a:ext uri="{91240B29-F687-4F45-9708-019B960494DF}">
+              <a14:hiddenLine xmlns:a14="http://schemas.microsoft.com/office/drawing/2010/main" w="9525">
+                <a:solidFill>
+                  <a:schemeClr val="tx1"/>
+                </a:solidFill>
+                <a:miter lim="800000"/>
+                <a:headEnd/>
+                <a:tailEnd/>
+              </a14:hiddenLine>
+            </a:ext>
+            <a:ext uri="{AF507438-7753-43E0-B8FC-AC1667EBCBE1}">
+              <a14:hiddenEffects xmlns:a14="http://schemas.microsoft.com/office/drawing/2010/main">
+                <a:effectLst>
+                  <a:outerShdw dist="35921" dir="2700000" algn="ctr" rotWithShape="0">
+                    <a:schemeClr val="bg2"/>
+                  </a:outerShdw>
+                </a:effectLst>
+              </a14:hiddenEffects>
+            </a:ext>
+          </a:extLst>
+        </p:spPr>
+        <p:txBody>
+          <a:bodyPr vert="horz" wrap="square" lIns="91440" tIns="45720" rIns="91440" bIns="45720" numCol="1" anchor="ctr" anchorCtr="0" compatLnSpc="1">
+            <a:prstTxWarp prst="textNoShape">
+              <a:avLst/>
+            </a:prstTxWarp>
+            <a:spAutoFit/>
+          </a:bodyPr>
+          <a:lstStyle/>
+          <a:p>
+            <a:pPr marR="0" lvl="0" algn="l" defTabSz="914400" rtl="0" eaLnBrk="0" fontAlgn="base" latinLnBrk="0" hangingPunct="0">
+              <a:lnSpc>
+                <a:spcPct val="100000"/>
+              </a:lnSpc>
+              <a:spcBef>
+                <a:spcPct val="0"/>
+              </a:spcBef>
+              <a:spcAft>
+                <a:spcPct val="0"/>
+              </a:spcAft>
+              <a:buClrTx/>
+              <a:buSzTx/>
+              <a:buFont typeface="Courier New" panose="02070309020205020404" pitchFamily="49" charset="0"/>
+              <a:buChar char="o"/>
+              <a:tabLst/>
+            </a:pPr>
+            <a:r>
+              <a:rPr kumimoji="0" lang="hu-HU" altLang="hu-HU" b="0" i="0" u="none" strike="noStrike" cap="none" normalizeH="0" baseline="0" dirty="0">
+                <a:ln>
+                  <a:noFill/>
+                </a:ln>
+                <a:solidFill>
+                  <a:schemeClr val="tx1"/>
+                </a:solidFill>
+                <a:effectLst/>
+                <a:latin typeface="Arial" panose="020B0604020202020204" pitchFamily="34" charset="0"/>
+              </a:rPr>
+              <a:t> A hamburgerező zavartalan működéséhez elengedhetetlen a megfelelően felépített infrastruktúra</a:t>
+            </a:r>
+          </a:p>
+          <a:p>
+            <a:pPr marR="0" lvl="0" algn="l" defTabSz="914400" rtl="0" eaLnBrk="0" fontAlgn="base" latinLnBrk="0" hangingPunct="0">
+              <a:lnSpc>
+                <a:spcPct val="100000"/>
+              </a:lnSpc>
+              <a:spcBef>
+                <a:spcPct val="0"/>
+              </a:spcBef>
+              <a:spcAft>
+                <a:spcPct val="0"/>
+              </a:spcAft>
+              <a:buClrTx/>
+              <a:buSzTx/>
+              <a:buFont typeface="Courier New" panose="02070309020205020404" pitchFamily="49" charset="0"/>
+              <a:buChar char="o"/>
+              <a:tabLst/>
+            </a:pPr>
+            <a:r>
+              <a:rPr lang="hu-HU" altLang="hu-HU" dirty="0">
+                <a:latin typeface="Arial" panose="020B0604020202020204" pitchFamily="34" charset="0"/>
+              </a:rPr>
+              <a:t> A</a:t>
+            </a:r>
+            <a:r>
+              <a:rPr kumimoji="0" lang="hu-HU" altLang="hu-HU" b="0" i="0" u="none" strike="noStrike" cap="none" normalizeH="0" baseline="0" dirty="0">
+                <a:ln>
+                  <a:noFill/>
+                </a:ln>
+                <a:solidFill>
+                  <a:schemeClr val="tx1"/>
+                </a:solidFill>
+                <a:effectLst/>
+                <a:latin typeface="Arial" panose="020B0604020202020204" pitchFamily="34" charset="0"/>
+              </a:rPr>
+              <a:t> cél egy stabil, jól szegmentált hálózat kialakítása, amely támogatja:</a:t>
+            </a:r>
+          </a:p>
+          <a:p>
+            <a:pPr marL="0" marR="0" lvl="0" indent="0" algn="l" defTabSz="914400" rtl="0" eaLnBrk="0" fontAlgn="base" latinLnBrk="0" hangingPunct="0">
+              <a:lnSpc>
+                <a:spcPct val="100000"/>
+              </a:lnSpc>
+              <a:spcBef>
+                <a:spcPct val="0"/>
+              </a:spcBef>
+              <a:spcAft>
+                <a:spcPct val="0"/>
+              </a:spcAft>
+              <a:buClrTx/>
+              <a:buSzTx/>
+              <a:buNone/>
+              <a:tabLst>
+                <a:tab pos="180000" algn="l"/>
+              </a:tabLst>
+            </a:pPr>
+            <a:endParaRPr lang="hu-HU" altLang="hu-HU" sz="1800" dirty="0">
+              <a:latin typeface="Arial" panose="020B0604020202020204" pitchFamily="34" charset="0"/>
+            </a:endParaRPr>
+          </a:p>
+          <a:p>
+            <a:pPr lvl="1" eaLnBrk="0" fontAlgn="base" hangingPunct="0">
+              <a:lnSpc>
+                <a:spcPct val="100000"/>
+              </a:lnSpc>
+              <a:spcBef>
+                <a:spcPct val="0"/>
+              </a:spcBef>
+              <a:spcAft>
+                <a:spcPct val="0"/>
+              </a:spcAft>
+              <a:buSzTx/>
+              <a:buFont typeface="Courier New" panose="02070309020205020404" pitchFamily="49" charset="0"/>
+              <a:buChar char="o"/>
+              <a:tabLst>
+                <a:tab pos="180000" algn="l"/>
+              </a:tabLst>
+            </a:pPr>
+            <a:r>
+              <a:rPr kumimoji="0" lang="hu-HU" altLang="hu-HU" b="0" i="0" u="none" strike="noStrike" cap="none" normalizeH="0" baseline="0" dirty="0">
+                <a:ln>
+                  <a:noFill/>
+                </a:ln>
+                <a:solidFill>
+                  <a:schemeClr val="tx1"/>
+                </a:solidFill>
+                <a:effectLst/>
+                <a:latin typeface="Arial" panose="020B0604020202020204" pitchFamily="34" charset="0"/>
+              </a:rPr>
+              <a:t>az adminisztratív feladatokat,</a:t>
+            </a:r>
+          </a:p>
+          <a:p>
+            <a:pPr lvl="1" eaLnBrk="0" fontAlgn="base" hangingPunct="0">
+              <a:lnSpc>
+                <a:spcPct val="100000"/>
+              </a:lnSpc>
+              <a:spcBef>
+                <a:spcPct val="0"/>
+              </a:spcBef>
+              <a:spcAft>
+                <a:spcPct val="0"/>
+              </a:spcAft>
+              <a:buSzTx/>
+              <a:buFont typeface="Courier New" panose="02070309020205020404" pitchFamily="49" charset="0"/>
+              <a:buChar char="o"/>
+              <a:tabLst>
+                <a:tab pos="180000" algn="l"/>
+              </a:tabLst>
+            </a:pPr>
+            <a:r>
+              <a:rPr kumimoji="0" lang="hu-HU" altLang="hu-HU" b="0" i="0" u="none" strike="noStrike" cap="none" normalizeH="0" baseline="0" dirty="0">
+                <a:ln>
+                  <a:noFill/>
+                </a:ln>
+                <a:solidFill>
+                  <a:schemeClr val="tx1"/>
+                </a:solidFill>
+                <a:effectLst/>
+                <a:latin typeface="Arial" panose="020B0604020202020204" pitchFamily="34" charset="0"/>
+              </a:rPr>
+              <a:t>a rendeléskezelést,</a:t>
+            </a:r>
+          </a:p>
+          <a:p>
+            <a:pPr lvl="1" eaLnBrk="0" fontAlgn="base" hangingPunct="0">
+              <a:lnSpc>
+                <a:spcPct val="100000"/>
+              </a:lnSpc>
+              <a:spcBef>
+                <a:spcPct val="0"/>
+              </a:spcBef>
+              <a:spcAft>
+                <a:spcPct val="0"/>
+              </a:spcAft>
+              <a:buSzTx/>
+              <a:buFont typeface="Courier New" panose="02070309020205020404" pitchFamily="49" charset="0"/>
+              <a:buChar char="o"/>
+              <a:tabLst>
+                <a:tab pos="180000" algn="l"/>
+              </a:tabLst>
+            </a:pPr>
+            <a:r>
+              <a:rPr kumimoji="0" lang="hu-HU" altLang="hu-HU" b="0" i="0" u="none" strike="noStrike" cap="none" normalizeH="0" baseline="0" dirty="0">
+                <a:ln>
+                  <a:noFill/>
+                </a:ln>
+                <a:solidFill>
+                  <a:schemeClr val="tx1"/>
+                </a:solidFill>
+                <a:effectLst/>
+                <a:latin typeface="Arial" panose="020B0604020202020204" pitchFamily="34" charset="0"/>
+              </a:rPr>
+              <a:t>a vendégek kiszolgálását,</a:t>
+            </a:r>
+          </a:p>
+          <a:p>
+            <a:pPr lvl="1" eaLnBrk="0" fontAlgn="base" hangingPunct="0">
+              <a:lnSpc>
+                <a:spcPct val="100000"/>
+              </a:lnSpc>
+              <a:spcBef>
+                <a:spcPct val="0"/>
+              </a:spcBef>
+              <a:spcAft>
+                <a:spcPct val="0"/>
+              </a:spcAft>
+              <a:buSzTx/>
+              <a:buFont typeface="Courier New" panose="02070309020205020404" pitchFamily="49" charset="0"/>
+              <a:buChar char="o"/>
+              <a:tabLst>
+                <a:tab pos="180000" algn="l"/>
+              </a:tabLst>
+            </a:pPr>
+            <a:r>
+              <a:rPr kumimoji="0" lang="hu-HU" altLang="hu-HU" b="0" i="0" u="none" strike="noStrike" cap="none" normalizeH="0" baseline="0" dirty="0">
+                <a:ln>
+                  <a:noFill/>
+                </a:ln>
+                <a:solidFill>
+                  <a:schemeClr val="tx1"/>
+                </a:solidFill>
+                <a:effectLst/>
+                <a:latin typeface="Arial" panose="020B0604020202020204" pitchFamily="34" charset="0"/>
+              </a:rPr>
+              <a:t>a szerverszoba szolgáltatásait</a:t>
+            </a:r>
+            <a:r>
+              <a:rPr kumimoji="0" lang="hu-HU" altLang="hu-HU" sz="1400" b="0" i="0" u="none" strike="noStrike" cap="none" normalizeH="0" baseline="0" dirty="0">
+                <a:ln>
+                  <a:noFill/>
+                </a:ln>
+                <a:solidFill>
+                  <a:schemeClr val="tx1"/>
+                </a:solidFill>
+                <a:effectLst/>
+                <a:latin typeface="Arial" panose="020B0604020202020204" pitchFamily="34" charset="0"/>
+              </a:rPr>
+              <a:t>.</a:t>
+            </a:r>
+          </a:p>
+          <a:p>
+            <a:pPr lvl="1" eaLnBrk="0" fontAlgn="base" hangingPunct="0">
+              <a:lnSpc>
+                <a:spcPct val="100000"/>
+              </a:lnSpc>
+              <a:spcBef>
+                <a:spcPct val="0"/>
+              </a:spcBef>
+              <a:spcAft>
+                <a:spcPct val="0"/>
+              </a:spcAft>
+              <a:buSzTx/>
+              <a:buFont typeface="Courier New" panose="02070309020205020404" pitchFamily="49" charset="0"/>
+              <a:buChar char="o"/>
+              <a:tabLst>
+                <a:tab pos="180000" algn="l"/>
+              </a:tabLst>
+            </a:pPr>
+            <a:endParaRPr kumimoji="0" lang="hu-HU" altLang="hu-HU" sz="1400" b="0" i="0" u="none" strike="noStrike" cap="none" normalizeH="0" baseline="0" dirty="0">
+              <a:ln>
+                <a:noFill/>
+              </a:ln>
+              <a:solidFill>
+                <a:schemeClr val="tx1"/>
+              </a:solidFill>
+              <a:effectLst/>
+              <a:latin typeface="Arial" panose="020B0604020202020204" pitchFamily="34" charset="0"/>
+            </a:endParaRPr>
+          </a:p>
+          <a:p>
+            <a:pPr marR="0" lvl="0" algn="l" defTabSz="914400" rtl="0" eaLnBrk="0" fontAlgn="base" latinLnBrk="0" hangingPunct="0">
+              <a:lnSpc>
+                <a:spcPct val="100000"/>
+              </a:lnSpc>
+              <a:spcBef>
+                <a:spcPct val="0"/>
+              </a:spcBef>
+              <a:spcAft>
+                <a:spcPct val="0"/>
+              </a:spcAft>
+              <a:buClrTx/>
+              <a:buSzTx/>
+              <a:buFont typeface="Courier New" panose="02070309020205020404" pitchFamily="49" charset="0"/>
+              <a:buChar char="o"/>
+              <a:tabLst>
+                <a:tab pos="180000" algn="l"/>
+              </a:tabLst>
+            </a:pPr>
+            <a:r>
+              <a:rPr kumimoji="0" lang="hu-HU" altLang="hu-HU" b="0" i="0" u="none" strike="noStrike" cap="none" normalizeH="0" baseline="0" dirty="0">
+                <a:ln>
+                  <a:noFill/>
+                </a:ln>
+                <a:solidFill>
+                  <a:schemeClr val="tx1"/>
+                </a:solidFill>
+                <a:effectLst/>
+                <a:latin typeface="Arial" panose="020B0604020202020204" pitchFamily="34" charset="0"/>
+              </a:rPr>
+              <a:t> A tervezés Cisco Packet Tracer segítségével készült.</a:t>
+            </a:r>
+          </a:p>
+        </p:txBody>
+      </p:sp>
+      <p:pic>
+        <p:nvPicPr>
+          <p:cNvPr id="12" name="Graphic 11" descr="Covered plate with solid fill">
+            <a:extLst>
+              <a:ext uri="{FF2B5EF4-FFF2-40B4-BE49-F238E27FC236}">
+                <a16:creationId xmlns:a16="http://schemas.microsoft.com/office/drawing/2014/main" id="{AA48AC50-E0F6-5B82-DBC1-1012A6045897}"/>
+              </a:ext>
+            </a:extLst>
+          </p:cNvPr>
+          <p:cNvPicPr>
+            <a:picLocks noChangeAspect="1"/>
+          </p:cNvPicPr>
+          <p:nvPr/>
+        </p:nvPicPr>
+        <p:blipFill>
+          <a:blip r:embed="rId2">
+            <a:extLst>
+              <a:ext uri="{96DAC541-7B7A-43D3-8B79-37D633B846F1}">
+                <asvg:svgBlip xmlns:asvg="http://schemas.microsoft.com/office/drawing/2016/SVG/main" r:embed="rId3"/>
+              </a:ext>
+            </a:extLst>
+          </a:blip>
+          <a:stretch>
+            <a:fillRect/>
+          </a:stretch>
+        </p:blipFill>
+        <p:spPr>
+          <a:xfrm>
+            <a:off x="4267200" y="5277678"/>
+            <a:ext cx="914400" cy="914400"/>
+          </a:xfrm>
+          <a:prstGeom prst="rect">
+            <a:avLst/>
+          </a:prstGeom>
+        </p:spPr>
+      </p:pic>
+      <p:pic>
+        <p:nvPicPr>
+          <p:cNvPr id="14" name="Graphic 13" descr="Server with solid fill">
+            <a:extLst>
+              <a:ext uri="{FF2B5EF4-FFF2-40B4-BE49-F238E27FC236}">
+                <a16:creationId xmlns:a16="http://schemas.microsoft.com/office/drawing/2014/main" id="{AA578967-B824-FE1F-22AC-72A32135B52C}"/>
+              </a:ext>
+            </a:extLst>
+          </p:cNvPr>
+          <p:cNvPicPr>
+            <a:picLocks noChangeAspect="1"/>
+          </p:cNvPicPr>
+          <p:nvPr/>
+        </p:nvPicPr>
+        <p:blipFill>
+          <a:blip r:embed="rId4">
+            <a:extLst>
+              <a:ext uri="{96DAC541-7B7A-43D3-8B79-37D633B846F1}">
+                <asvg:svgBlip xmlns:asvg="http://schemas.microsoft.com/office/drawing/2016/SVG/main" r:embed="rId5"/>
+              </a:ext>
+            </a:extLst>
+          </a:blip>
+          <a:stretch>
+            <a:fillRect/>
+          </a:stretch>
+        </p:blipFill>
+        <p:spPr>
+          <a:xfrm>
+            <a:off x="5181600" y="5292587"/>
+            <a:ext cx="914400" cy="914400"/>
+          </a:xfrm>
+          <a:prstGeom prst="rect">
+            <a:avLst/>
+          </a:prstGeom>
+        </p:spPr>
+      </p:pic>
+      <p:pic>
+        <p:nvPicPr>
+          <p:cNvPr id="16" name="Graphic 15" descr="Fork and knife with solid fill">
+            <a:extLst>
+              <a:ext uri="{FF2B5EF4-FFF2-40B4-BE49-F238E27FC236}">
+                <a16:creationId xmlns:a16="http://schemas.microsoft.com/office/drawing/2014/main" id="{2B1BA1AD-634B-B77B-688E-00B930EB32F7}"/>
+              </a:ext>
+            </a:extLst>
+          </p:cNvPr>
+          <p:cNvPicPr>
+            <a:picLocks noChangeAspect="1"/>
+          </p:cNvPicPr>
+          <p:nvPr/>
+        </p:nvPicPr>
+        <p:blipFill>
+          <a:blip r:embed="rId6">
+            <a:extLst>
+              <a:ext uri="{96DAC541-7B7A-43D3-8B79-37D633B846F1}">
+                <asvg:svgBlip xmlns:asvg="http://schemas.microsoft.com/office/drawing/2016/SVG/main" r:embed="rId7"/>
+              </a:ext>
+            </a:extLst>
+          </a:blip>
+          <a:stretch>
+            <a:fillRect/>
+          </a:stretch>
+        </p:blipFill>
+        <p:spPr>
+          <a:xfrm>
+            <a:off x="6133271" y="5277678"/>
+            <a:ext cx="914400" cy="914400"/>
+          </a:xfrm>
+          <a:prstGeom prst="rect">
+            <a:avLst/>
+          </a:prstGeom>
+        </p:spPr>
+      </p:pic>
+    </p:spTree>
+    <p:extLst>
+      <p:ext uri="{BB962C8B-B14F-4D97-AF65-F5344CB8AC3E}">
+        <p14:creationId xmlns:p14="http://schemas.microsoft.com/office/powerpoint/2010/main" val="2306381757"/>
+      </p:ext>
+    </p:extLst>
+  </p:cSld>
+  <p:clrMapOvr>
+    <a:masterClrMapping/>
+  </p:clrMapOvr>
+</p:sld>
+</file>
+
+<file path=ppt/slides/slide4.xml><?xml version="1.0" encoding="utf-8"?>
+<p:sld xmlns:a="http://schemas.openxmlformats.org/drawingml/2006/main" xmlns:r="http://schemas.openxmlformats.org/officeDocument/2006/relationships" xmlns:p="http://schemas.openxmlformats.org/presentationml/2006/main">
+  <p:cSld>
+    <p:bg>
+      <p:bgPr>
+        <a:blipFill>
+          <a:blip r:embed="rId2">
+            <a:duotone>
+              <a:schemeClr val="bg2">
+                <a:shade val="88000"/>
+                <a:hueMod val="106000"/>
+                <a:satMod val="140000"/>
+                <a:lumMod val="54000"/>
+              </a:schemeClr>
+              <a:schemeClr val="bg2">
+                <a:tint val="98000"/>
+                <a:hueMod val="90000"/>
+                <a:satMod val="150000"/>
+                <a:lumMod val="160000"/>
+              </a:schemeClr>
+            </a:duotone>
+          </a:blip>
+          <a:stretch/>
+        </a:blipFill>
+        <a:effectLst/>
+      </p:bgPr>
+    </p:bg>
+    <p:spTree>
+      <p:nvGrpSpPr>
+        <p:cNvPr id="1" name=""/>
+        <p:cNvGrpSpPr/>
+        <p:nvPr/>
+      </p:nvGrpSpPr>
+      <p:grpSpPr>
+        <a:xfrm>
+          <a:off x="0" y="0"/>
+          <a:ext cx="0" cy="0"/>
+          <a:chOff x="0" y="0"/>
+          <a:chExt cx="0" cy="0"/>
+        </a:xfrm>
+      </p:grpSpPr>
+      <p:sp>
+        <p:nvSpPr>
+          <p:cNvPr id="2" name="Title 1">
+            <a:extLst>
+              <a:ext uri="{FF2B5EF4-FFF2-40B4-BE49-F238E27FC236}">
+                <a16:creationId xmlns:a16="http://schemas.microsoft.com/office/drawing/2014/main" id="{22388F28-92DE-68C1-DF28-62E904609DD0}"/>
+              </a:ext>
+            </a:extLst>
+          </p:cNvPr>
+          <p:cNvSpPr>
+            <a:spLocks noGrp="1"/>
+          </p:cNvSpPr>
+          <p:nvPr>
+            <p:ph type="title"/>
+          </p:nvPr>
+        </p:nvSpPr>
+        <p:spPr>
+          <a:xfrm>
+            <a:off x="1240804" y="432353"/>
+            <a:ext cx="9905998" cy="827625"/>
+          </a:xfrm>
+        </p:spPr>
+        <p:txBody>
+          <a:bodyPr>
+            <a:normAutofit/>
+          </a:bodyPr>
+          <a:lstStyle/>
+          <a:p>
+            <a:r>
+              <a:rPr lang="hu-HU" dirty="0"/>
+              <a:t>Hálózati topológia</a:t>
+            </a:r>
+          </a:p>
+        </p:txBody>
+      </p:sp>
+      <p:pic>
+        <p:nvPicPr>
+          <p:cNvPr id="5" name="Picture 4">
+            <a:extLst>
+              <a:ext uri="{FF2B5EF4-FFF2-40B4-BE49-F238E27FC236}">
+                <a16:creationId xmlns:a16="http://schemas.microsoft.com/office/drawing/2014/main" id="{E3913E9A-ED4A-9715-1284-E985C44D9B81}"/>
+              </a:ext>
+            </a:extLst>
+          </p:cNvPr>
+          <p:cNvPicPr>
+            <a:picLocks noChangeAspect="1"/>
+          </p:cNvPicPr>
+          <p:nvPr/>
+        </p:nvPicPr>
+        <p:blipFill>
+          <a:blip r:embed="rId3"/>
+          <a:stretch>
+            <a:fillRect/>
+          </a:stretch>
+        </p:blipFill>
+        <p:spPr>
+          <a:xfrm>
+            <a:off x="1049107" y="2350605"/>
+            <a:ext cx="5005169" cy="2765356"/>
+          </a:xfrm>
+          <a:prstGeom prst="round2DiagRect">
+            <a:avLst>
+              <a:gd name="adj1" fmla="val 5608"/>
+              <a:gd name="adj2" fmla="val 0"/>
+            </a:avLst>
+          </a:prstGeom>
+          <a:ln w="19050" cap="sq">
+            <a:solidFill>
+              <a:schemeClr val="tx2">
+                <a:lumMod val="60000"/>
+                <a:lumOff val="40000"/>
+                <a:alpha val="60000"/>
+              </a:schemeClr>
+            </a:solidFill>
+            <a:miter lim="800000"/>
+          </a:ln>
+          <a:effectLst>
+            <a:outerShdw blurRad="88900" dist="38100" dir="5400000" algn="t" rotWithShape="0">
+              <a:prstClr val="black">
+                <a:alpha val="40000"/>
+              </a:prstClr>
+            </a:outerShdw>
+          </a:effectLst>
+        </p:spPr>
+      </p:pic>
+      <p:sp>
+        <p:nvSpPr>
+          <p:cNvPr id="4" name="Rectangle 1">
+            <a:extLst>
+              <a:ext uri="{FF2B5EF4-FFF2-40B4-BE49-F238E27FC236}">
+                <a16:creationId xmlns:a16="http://schemas.microsoft.com/office/drawing/2014/main" id="{AA403AD8-46A7-32ED-B4AD-4F0EC53DDFA5}"/>
+              </a:ext>
+            </a:extLst>
+          </p:cNvPr>
+          <p:cNvSpPr>
+            <a:spLocks noGrp="1" noChangeArrowheads="1"/>
+          </p:cNvSpPr>
+          <p:nvPr>
+            <p:ph idx="1"/>
+          </p:nvPr>
+        </p:nvSpPr>
+        <p:spPr bwMode="auto">
+          <a:xfrm>
+            <a:off x="6316849" y="1962426"/>
+            <a:ext cx="5292056" cy="3541714"/>
+          </a:xfrm>
+          <a:prstGeom prst="rect">
+            <a:avLst/>
+          </a:prstGeom>
+          <a:extLst>
+            <a:ext uri="{909E8E84-426E-40DD-AFC4-6F175D3DCCD1}">
+              <a14:hiddenFill xmlns:a14="http://schemas.microsoft.com/office/drawing/2010/main">
+                <a:solidFill>
+                  <a:schemeClr val="accent1"/>
+                </a:solidFill>
+              </a14:hiddenFill>
+            </a:ext>
+            <a:ext uri="{91240B29-F687-4F45-9708-019B960494DF}">
+              <a14:hiddenLine xmlns:a14="http://schemas.microsoft.com/office/drawing/2010/main" w="9525">
+                <a:solidFill>
+                  <a:schemeClr val="tx1"/>
+                </a:solidFill>
+                <a:miter lim="800000"/>
+                <a:headEnd/>
+                <a:tailEnd/>
+              </a14:hiddenLine>
+            </a:ext>
+            <a:ext uri="{AF507438-7753-43E0-B8FC-AC1667EBCBE1}">
+              <a14:hiddenEffects xmlns:a14="http://schemas.microsoft.com/office/drawing/2010/main">
+                <a:effectLst>
+                  <a:outerShdw dist="35921" dir="2700000" algn="ctr" rotWithShape="0">
+                    <a:schemeClr val="bg2"/>
+                  </a:outerShdw>
+                </a:effectLst>
+              </a14:hiddenEffects>
+            </a:ext>
+          </a:extLst>
+        </p:spPr>
+        <p:txBody>
+          <a:bodyPr vert="horz" lIns="91440" tIns="45720" rIns="91440" bIns="45720" numCol="1" anchorCtr="0" compatLnSpc="1">
+            <a:prstTxWarp prst="textNoShape">
+              <a:avLst/>
+            </a:prstTxWarp>
+            <a:normAutofit fontScale="92500"/>
+          </a:bodyPr>
+          <a:lstStyle/>
+          <a:p>
+            <a:pPr marL="0" marR="0" lvl="0" indent="0" defTabSz="914400" rtl="0" eaLnBrk="0" fontAlgn="base" latinLnBrk="0" hangingPunct="0">
+              <a:lnSpc>
+                <a:spcPct val="110000"/>
+              </a:lnSpc>
+              <a:spcBef>
+                <a:spcPct val="0"/>
+              </a:spcBef>
+              <a:spcAft>
+                <a:spcPts val="600"/>
+              </a:spcAft>
+              <a:buClrTx/>
+              <a:buSzTx/>
+              <a:buNone/>
+              <a:tabLst/>
+            </a:pPr>
+            <a:r>
+              <a:rPr kumimoji="0" lang="hu-HU" altLang="hu-HU" sz="2200" b="0" i="0" u="none" strike="noStrike" cap="none" normalizeH="0" baseline="0" dirty="0">
+                <a:ln>
+                  <a:noFill/>
+                </a:ln>
+                <a:effectLst/>
+                <a:latin typeface="Arial" panose="020B0604020202020204" pitchFamily="34" charset="0"/>
+              </a:rPr>
+              <a:t>A hálózat </a:t>
+            </a:r>
+            <a:r>
+              <a:rPr lang="hu-HU" altLang="hu-HU" sz="2200" dirty="0">
+                <a:latin typeface="Arial" panose="020B0604020202020204" pitchFamily="34" charset="0"/>
+              </a:rPr>
+              <a:t>4</a:t>
+            </a:r>
+            <a:r>
+              <a:rPr kumimoji="0" lang="hu-HU" altLang="hu-HU" sz="2200" b="0" i="0" u="none" strike="noStrike" cap="none" normalizeH="0" baseline="0" dirty="0">
+                <a:ln>
+                  <a:noFill/>
+                </a:ln>
+                <a:effectLst/>
+                <a:latin typeface="Arial" panose="020B0604020202020204" pitchFamily="34" charset="0"/>
+              </a:rPr>
+              <a:t> fő részből áll:</a:t>
+            </a:r>
+          </a:p>
+          <a:p>
+            <a:pPr marL="0" marR="0" lvl="0" indent="0" algn="ctr" defTabSz="914400" rtl="0" eaLnBrk="0" fontAlgn="base" latinLnBrk="0" hangingPunct="0">
+              <a:lnSpc>
+                <a:spcPct val="110000"/>
+              </a:lnSpc>
+              <a:spcBef>
+                <a:spcPct val="0"/>
+              </a:spcBef>
+              <a:spcAft>
+                <a:spcPts val="600"/>
+              </a:spcAft>
+              <a:buClrTx/>
+              <a:buSzTx/>
+              <a:buFontTx/>
+              <a:buChar char="•"/>
+              <a:tabLst/>
+            </a:pPr>
+            <a:r>
+              <a:rPr kumimoji="0" lang="hu-HU" altLang="hu-HU" sz="2200" b="0" i="0" u="none" strike="noStrike" cap="none" normalizeH="0" baseline="0" dirty="0">
+                <a:ln>
+                  <a:noFill/>
+                </a:ln>
+                <a:effectLst/>
+                <a:latin typeface="Arial" panose="020B0604020202020204" pitchFamily="34" charset="0"/>
+              </a:rPr>
+              <a:t> Szerverszoba</a:t>
+            </a:r>
+          </a:p>
+          <a:p>
+            <a:pPr marL="0" marR="0" lvl="0" indent="0" algn="ctr" defTabSz="914400" rtl="0" eaLnBrk="0" fontAlgn="base" latinLnBrk="0" hangingPunct="0">
+              <a:lnSpc>
+                <a:spcPct val="110000"/>
+              </a:lnSpc>
+              <a:spcBef>
+                <a:spcPct val="0"/>
+              </a:spcBef>
+              <a:spcAft>
+                <a:spcPts val="600"/>
+              </a:spcAft>
+              <a:buClrTx/>
+              <a:buSzTx/>
+              <a:buFontTx/>
+              <a:buChar char="•"/>
+              <a:tabLst/>
+            </a:pPr>
+            <a:r>
+              <a:rPr kumimoji="0" lang="hu-HU" altLang="hu-HU" sz="2200" b="0" i="0" u="none" strike="noStrike" cap="none" normalizeH="0" baseline="0" dirty="0">
+                <a:ln>
+                  <a:noFill/>
+                </a:ln>
+                <a:effectLst/>
+                <a:latin typeface="Arial" panose="020B0604020202020204" pitchFamily="34" charset="0"/>
+              </a:rPr>
+              <a:t> Adminisztráció</a:t>
+            </a:r>
+          </a:p>
+          <a:p>
+            <a:pPr marL="0" marR="0" lvl="0" indent="0" algn="ctr" defTabSz="914400" rtl="0" eaLnBrk="0" fontAlgn="base" latinLnBrk="0" hangingPunct="0">
+              <a:lnSpc>
+                <a:spcPct val="110000"/>
+              </a:lnSpc>
+              <a:spcBef>
+                <a:spcPct val="0"/>
+              </a:spcBef>
+              <a:spcAft>
+                <a:spcPts val="600"/>
+              </a:spcAft>
+              <a:buClrTx/>
+              <a:buSzTx/>
+              <a:buFontTx/>
+              <a:buChar char="•"/>
+              <a:tabLst/>
+            </a:pPr>
+            <a:r>
+              <a:rPr kumimoji="0" lang="hu-HU" altLang="hu-HU" sz="2200" b="0" i="0" u="none" strike="noStrike" cap="none" normalizeH="0" baseline="0" dirty="0">
+                <a:ln>
+                  <a:noFill/>
+                </a:ln>
+                <a:effectLst/>
+                <a:latin typeface="Arial" panose="020B0604020202020204" pitchFamily="34" charset="0"/>
+              </a:rPr>
+              <a:t> Konyha/rendelés</a:t>
+            </a:r>
+          </a:p>
+          <a:p>
+            <a:pPr marL="0" marR="0" lvl="0" indent="0" algn="ctr" defTabSz="914400" rtl="0" eaLnBrk="0" fontAlgn="base" latinLnBrk="0" hangingPunct="0">
+              <a:lnSpc>
+                <a:spcPct val="110000"/>
+              </a:lnSpc>
+              <a:spcBef>
+                <a:spcPct val="0"/>
+              </a:spcBef>
+              <a:spcAft>
+                <a:spcPts val="600"/>
+              </a:spcAft>
+              <a:buClrTx/>
+              <a:buSzTx/>
+              <a:buFontTx/>
+              <a:buChar char="•"/>
+              <a:tabLst/>
+            </a:pPr>
+            <a:r>
+              <a:rPr kumimoji="0" lang="hu-HU" altLang="hu-HU" sz="2200" b="0" i="0" u="none" strike="noStrike" cap="none" normalizeH="0" baseline="0" dirty="0">
+                <a:ln>
+                  <a:noFill/>
+                </a:ln>
+                <a:effectLst/>
+                <a:latin typeface="Arial" panose="020B0604020202020204" pitchFamily="34" charset="0"/>
+              </a:rPr>
+              <a:t> Vendégtér</a:t>
+            </a:r>
+          </a:p>
+          <a:p>
+            <a:pPr marR="0" lvl="0" defTabSz="914400" rtl="0" eaLnBrk="0" fontAlgn="base" latinLnBrk="0" hangingPunct="0">
+              <a:lnSpc>
+                <a:spcPct val="110000"/>
+              </a:lnSpc>
+              <a:spcBef>
+                <a:spcPct val="0"/>
+              </a:spcBef>
+              <a:spcAft>
+                <a:spcPts val="600"/>
+              </a:spcAft>
+              <a:buClrTx/>
+              <a:buSzTx/>
+              <a:buFont typeface="Courier New" panose="02070309020205020404" pitchFamily="49" charset="0"/>
+              <a:buChar char="o"/>
+              <a:tabLst/>
+            </a:pPr>
+            <a:r>
+              <a:rPr kumimoji="0" lang="hu-HU" altLang="hu-HU" sz="2200" b="0" i="0" u="none" strike="noStrike" cap="none" normalizeH="0" baseline="0" dirty="0">
+                <a:ln>
+                  <a:noFill/>
+                </a:ln>
+                <a:effectLst/>
+                <a:latin typeface="Arial" panose="020B0604020202020204" pitchFamily="34" charset="0"/>
+              </a:rPr>
+              <a:t>VLAN 11 biztosítja a logikai elkülönítést</a:t>
+            </a:r>
+          </a:p>
+          <a:p>
+            <a:pPr marR="0" lvl="0" defTabSz="914400" rtl="0" eaLnBrk="0" fontAlgn="base" latinLnBrk="0" hangingPunct="0">
+              <a:lnSpc>
+                <a:spcPct val="110000"/>
+              </a:lnSpc>
+              <a:spcBef>
+                <a:spcPct val="0"/>
+              </a:spcBef>
+              <a:spcAft>
+                <a:spcPts val="600"/>
+              </a:spcAft>
+              <a:buClrTx/>
+              <a:buSzTx/>
+              <a:buFont typeface="Courier New" panose="02070309020205020404" pitchFamily="49" charset="0"/>
+              <a:buChar char="o"/>
+              <a:tabLst/>
+            </a:pPr>
+            <a:r>
+              <a:rPr kumimoji="0" lang="hu-HU" altLang="hu-HU" sz="2200" b="0" i="0" u="none" strike="noStrike" cap="none" normalizeH="0" baseline="0" dirty="0">
+                <a:ln>
+                  <a:noFill/>
+                </a:ln>
+                <a:effectLst/>
+                <a:latin typeface="Arial" panose="020B0604020202020204" pitchFamily="34" charset="0"/>
+              </a:rPr>
+              <a:t>Statikus IP-k és DHCP kombinálás</a:t>
+            </a:r>
+          </a:p>
+          <a:p>
+            <a:pPr marR="0" lvl="0" defTabSz="914400" rtl="0" eaLnBrk="0" fontAlgn="base" latinLnBrk="0" hangingPunct="0">
+              <a:lnSpc>
+                <a:spcPct val="110000"/>
+              </a:lnSpc>
+              <a:spcBef>
+                <a:spcPct val="0"/>
+              </a:spcBef>
+              <a:spcAft>
+                <a:spcPts val="600"/>
+              </a:spcAft>
+              <a:buClrTx/>
+              <a:buSzTx/>
+              <a:buFont typeface="Courier New" panose="02070309020205020404" pitchFamily="49" charset="0"/>
+              <a:buChar char="o"/>
+              <a:tabLst/>
+            </a:pPr>
+            <a:r>
+              <a:rPr kumimoji="0" lang="hu-HU" altLang="hu-HU" sz="2200" b="0" i="0" u="none" strike="noStrike" cap="none" normalizeH="0" baseline="0" dirty="0">
+                <a:ln>
+                  <a:noFill/>
+                </a:ln>
+                <a:effectLst/>
+                <a:latin typeface="Arial" panose="020B0604020202020204" pitchFamily="34" charset="0"/>
+              </a:rPr>
+              <a:t>Cisco eszközök és switch konfigurációk</a:t>
+            </a:r>
+          </a:p>
+        </p:txBody>
+      </p:sp>
+    </p:spTree>
+    <p:extLst>
+      <p:ext uri="{BB962C8B-B14F-4D97-AF65-F5344CB8AC3E}">
+        <p14:creationId xmlns:p14="http://schemas.microsoft.com/office/powerpoint/2010/main" val="952485303"/>
+      </p:ext>
+    </p:extLst>
+  </p:cSld>
+  <p:clrMapOvr>
+    <a:masterClrMapping/>
+  </p:clrMapOvr>
+</p:sld>
+</file>
+
+<file path=ppt/slides/slide5.xml><?xml version="1.0" encoding="utf-8"?>
+<p:sld xmlns:a="http://schemas.openxmlformats.org/drawingml/2006/main" xmlns:r="http://schemas.openxmlformats.org/officeDocument/2006/relationships" xmlns:p="http://schemas.openxmlformats.org/presentationml/2006/main">
+  <p:cSld>
+    <p:spTree>
+      <p:nvGrpSpPr>
+        <p:cNvPr id="1" name=""/>
+        <p:cNvGrpSpPr/>
+        <p:nvPr/>
+      </p:nvGrpSpPr>
+      <p:grpSpPr>
+        <a:xfrm>
+          <a:off x="0" y="0"/>
+          <a:ext cx="0" cy="0"/>
+          <a:chOff x="0" y="0"/>
+          <a:chExt cx="0" cy="0"/>
+        </a:xfrm>
+      </p:grpSpPr>
+      <p:sp>
+        <p:nvSpPr>
+          <p:cNvPr id="2" name="Title 1">
+            <a:extLst>
+              <a:ext uri="{FF2B5EF4-FFF2-40B4-BE49-F238E27FC236}">
+                <a16:creationId xmlns:a16="http://schemas.microsoft.com/office/drawing/2014/main" id="{22388F28-92DE-68C1-DF28-62E904609DD0}"/>
+              </a:ext>
+            </a:extLst>
+          </p:cNvPr>
+          <p:cNvSpPr>
+            <a:spLocks noGrp="1"/>
+          </p:cNvSpPr>
+          <p:nvPr>
+            <p:ph type="title"/>
+          </p:nvPr>
+        </p:nvSpPr>
+        <p:spPr>
+          <a:xfrm>
+            <a:off x="1217544" y="506896"/>
+            <a:ext cx="9905998" cy="842533"/>
+          </a:xfrm>
+        </p:spPr>
+        <p:txBody>
+          <a:bodyPr/>
+          <a:lstStyle/>
+          <a:p>
+            <a:r>
+              <a:rPr lang="hu-HU" dirty="0"/>
+              <a:t>A szerverszoba szerepe és működése</a:t>
+            </a:r>
+          </a:p>
+        </p:txBody>
+      </p:sp>
+      <p:graphicFrame>
+        <p:nvGraphicFramePr>
+          <p:cNvPr id="5" name="Content Placeholder 4">
+            <a:extLst>
+              <a:ext uri="{FF2B5EF4-FFF2-40B4-BE49-F238E27FC236}">
+                <a16:creationId xmlns:a16="http://schemas.microsoft.com/office/drawing/2014/main" id="{B38CB038-4196-018A-AADA-09CA1A7725C5}"/>
+              </a:ext>
+            </a:extLst>
+          </p:cNvPr>
+          <p:cNvGraphicFramePr>
+            <a:graphicFrameLocks noGrp="1"/>
+          </p:cNvGraphicFramePr>
+          <p:nvPr>
+            <p:ph idx="1"/>
+            <p:extLst>
+              <p:ext uri="{D42A27DB-BD31-4B8C-83A1-F6EECF244321}">
+                <p14:modId xmlns:p14="http://schemas.microsoft.com/office/powerpoint/2010/main" val="911461176"/>
+              </p:ext>
+            </p:extLst>
+          </p:nvPr>
+        </p:nvGraphicFramePr>
+        <p:xfrm>
+          <a:off x="1141413" y="2249488"/>
+          <a:ext cx="9906000" cy="3541712"/>
+        </p:xfrm>
+        <a:graphic>
+          <a:graphicData uri="http://schemas.openxmlformats.org/drawingml/2006/diagram">
+            <dgm:relIds xmlns:dgm="http://schemas.openxmlformats.org/drawingml/2006/diagram" xmlns:r="http://schemas.openxmlformats.org/officeDocument/2006/relationships" r:dm="rId2" r:lo="rId3" r:qs="rId4" r:cs="rId5"/>
+          </a:graphicData>
+        </a:graphic>
+      </p:graphicFrame>
+    </p:spTree>
+    <p:extLst>
+      <p:ext uri="{BB962C8B-B14F-4D97-AF65-F5344CB8AC3E}">
+        <p14:creationId xmlns:p14="http://schemas.microsoft.com/office/powerpoint/2010/main" val="2497572511"/>
+      </p:ext>
+    </p:extLst>
+  </p:cSld>
+  <p:clrMapOvr>
+    <a:masterClrMapping/>
+  </p:clrMapOvr>
+</p:sld>
+</file>
+
+<file path=ppt/slides/slide6.xml><?xml version="1.0" encoding="utf-8"?>
+<p:sld xmlns:a="http://schemas.openxmlformats.org/drawingml/2006/main" xmlns:r="http://schemas.openxmlformats.org/officeDocument/2006/relationships" xmlns:p="http://schemas.openxmlformats.org/presentationml/2006/main">
+  <p:cSld>
+    <p:bg>
+      <p:bgRef idx="1003">
+        <a:schemeClr val="bg2"/>
+      </p:bgRef>
+    </p:bg>
+    <p:spTree>
+      <p:nvGrpSpPr>
+        <p:cNvPr id="1" name=""/>
+        <p:cNvGrpSpPr/>
+        <p:nvPr/>
+      </p:nvGrpSpPr>
+      <p:grpSpPr>
+        <a:xfrm>
+          <a:off x="0" y="0"/>
+          <a:ext cx="0" cy="0"/>
+          <a:chOff x="0" y="0"/>
+          <a:chExt cx="0" cy="0"/>
+        </a:xfrm>
+      </p:grpSpPr>
+      <p:sp>
+        <p:nvSpPr>
+          <p:cNvPr id="2" name="Title 1">
+            <a:extLst>
+              <a:ext uri="{FF2B5EF4-FFF2-40B4-BE49-F238E27FC236}">
+                <a16:creationId xmlns:a16="http://schemas.microsoft.com/office/drawing/2014/main" id="{22388F28-92DE-68C1-DF28-62E904609DD0}"/>
+              </a:ext>
+            </a:extLst>
+          </p:cNvPr>
+          <p:cNvSpPr>
+            <a:spLocks noGrp="1"/>
+          </p:cNvSpPr>
+          <p:nvPr>
+            <p:ph type="title"/>
+          </p:nvPr>
+        </p:nvSpPr>
+        <p:spPr/>
+        <p:txBody>
+          <a:bodyPr>
+            <a:normAutofit/>
+          </a:bodyPr>
+          <a:lstStyle/>
+          <a:p>
+            <a:r>
+              <a:rPr lang="hu-HU" dirty="0"/>
+              <a:t>Adminisztratív eszközök és hálózati kapcsolatuk</a:t>
+            </a:r>
+          </a:p>
+        </p:txBody>
+      </p:sp>
+      <p:graphicFrame>
+        <p:nvGraphicFramePr>
+          <p:cNvPr id="7" name="Content Placeholder 6">
+            <a:extLst>
+              <a:ext uri="{FF2B5EF4-FFF2-40B4-BE49-F238E27FC236}">
+                <a16:creationId xmlns:a16="http://schemas.microsoft.com/office/drawing/2014/main" id="{05342D2A-33C1-12C7-A203-04A4F50338DD}"/>
+              </a:ext>
+            </a:extLst>
+          </p:cNvPr>
+          <p:cNvGraphicFramePr>
+            <a:graphicFrameLocks noGrp="1"/>
+          </p:cNvGraphicFramePr>
+          <p:nvPr>
+            <p:ph idx="1"/>
+            <p:extLst>
+              <p:ext uri="{D42A27DB-BD31-4B8C-83A1-F6EECF244321}">
+                <p14:modId xmlns:p14="http://schemas.microsoft.com/office/powerpoint/2010/main" val="1754330068"/>
+              </p:ext>
+            </p:extLst>
+          </p:nvPr>
+        </p:nvGraphicFramePr>
+        <p:xfrm>
+          <a:off x="5734878" y="2378696"/>
+          <a:ext cx="6097658" cy="3394290"/>
+        </p:xfrm>
+        <a:graphic>
+          <a:graphicData uri="http://schemas.openxmlformats.org/drawingml/2006/table">
+            <a:tbl>
+              <a:tblPr firstRow="1" bandRow="1">
+                <a:tableStyleId>{69CF1AB2-1976-4502-BF36-3FF5EA218861}</a:tableStyleId>
+              </a:tblPr>
+              <a:tblGrid>
+                <a:gridCol w="1247361">
+                  <a:extLst>
+                    <a:ext uri="{9D8B030D-6E8A-4147-A177-3AD203B41FA5}">
+                      <a16:colId xmlns:a16="http://schemas.microsoft.com/office/drawing/2014/main" val="374051320"/>
+                    </a:ext>
+                  </a:extLst>
+                </a:gridCol>
+                <a:gridCol w="4850297">
+                  <a:extLst>
+                    <a:ext uri="{9D8B030D-6E8A-4147-A177-3AD203B41FA5}">
+                      <a16:colId xmlns:a16="http://schemas.microsoft.com/office/drawing/2014/main" val="3716890703"/>
+                    </a:ext>
+                  </a:extLst>
+                </a:gridCol>
+              </a:tblGrid>
+              <a:tr h="1040048">
+                <a:tc>
+                  <a:txBody>
+                    <a:bodyPr/>
+                    <a:lstStyle/>
+                    <a:p>
+                      <a:pPr algn="ctr"/>
+                      <a:r>
+                        <a:rPr lang="hu-HU" b="1" dirty="0"/>
+                        <a:t>Eszközök</a:t>
+                      </a:r>
+                    </a:p>
+                  </a:txBody>
+                  <a:tcPr anchor="ctr">
+                    <a:solidFill>
+                      <a:schemeClr val="accent1">
+                        <a:lumMod val="20000"/>
+                        <a:lumOff val="80000"/>
+                      </a:schemeClr>
+                    </a:solidFill>
+                  </a:tcPr>
+                </a:tc>
+                <a:tc>
+                  <a:txBody>
+                    <a:bodyPr/>
+                    <a:lstStyle/>
+                    <a:p>
+                      <a:pPr algn="ctr"/>
+                      <a:r>
+                        <a:rPr lang="hu-HU" b="0" dirty="0"/>
+                        <a:t>1 laptop</a:t>
+                      </a:r>
+                    </a:p>
+                    <a:p>
+                      <a:pPr algn="ctr"/>
+                      <a:r>
+                        <a:rPr lang="hu-HU" b="0" dirty="0"/>
+                        <a:t>1 asztali számítógép (PC)</a:t>
+                      </a:r>
+                    </a:p>
+                  </a:txBody>
+                  <a:tcPr anchor="ctr">
+                    <a:solidFill>
+                      <a:schemeClr val="accent1">
+                        <a:lumMod val="20000"/>
+                        <a:lumOff val="80000"/>
+                      </a:schemeClr>
+                    </a:solidFill>
+                  </a:tcPr>
+                </a:tc>
+                <a:extLst>
+                  <a:ext uri="{0D108BD9-81ED-4DB2-BD59-A6C34878D82A}">
+                    <a16:rowId xmlns:a16="http://schemas.microsoft.com/office/drawing/2014/main" val="3627228009"/>
+                  </a:ext>
+                </a:extLst>
+              </a:tr>
+              <a:tr h="1165522">
+                <a:tc>
+                  <a:txBody>
+                    <a:bodyPr/>
+                    <a:lstStyle/>
+                    <a:p>
+                      <a:pPr algn="ctr"/>
+                      <a:r>
+                        <a:rPr lang="hu-HU" b="1" dirty="0"/>
+                        <a:t>Kapcsolat</a:t>
+                      </a:r>
+                    </a:p>
+                  </a:txBody>
+                  <a:tcPr anchor="ctr">
+                    <a:solidFill>
+                      <a:schemeClr val="accent1">
+                        <a:lumMod val="20000"/>
+                        <a:lumOff val="80000"/>
+                      </a:schemeClr>
+                    </a:solidFill>
+                  </a:tcPr>
+                </a:tc>
+                <a:tc>
+                  <a:txBody>
+                    <a:bodyPr/>
+                    <a:lstStyle/>
+                    <a:p>
+                      <a:pPr algn="ctr"/>
+                      <a:r>
+                        <a:rPr lang="hu-HU" b="0" dirty="0"/>
+                        <a:t>Switch kapcsolaton keresztül csatlakoznak VLAN 11-re</a:t>
+                      </a:r>
+                    </a:p>
+                    <a:p>
+                      <a:pPr algn="ctr"/>
+                      <a:r>
+                        <a:rPr lang="hu-HU" b="0" dirty="0"/>
+                        <a:t>DHCP vagy statikus IP-cím használata</a:t>
+                      </a:r>
+                    </a:p>
+                  </a:txBody>
+                  <a:tcPr anchor="ctr">
+                    <a:solidFill>
+                      <a:schemeClr val="accent1">
+                        <a:lumMod val="20000"/>
+                        <a:lumOff val="80000"/>
+                      </a:schemeClr>
+                    </a:solidFill>
+                  </a:tcPr>
+                </a:tc>
+                <a:extLst>
+                  <a:ext uri="{0D108BD9-81ED-4DB2-BD59-A6C34878D82A}">
+                    <a16:rowId xmlns:a16="http://schemas.microsoft.com/office/drawing/2014/main" val="175889703"/>
+                  </a:ext>
+                </a:extLst>
+              </a:tr>
+              <a:tr h="1165522">
+                <a:tc>
+                  <a:txBody>
+                    <a:bodyPr/>
+                    <a:lstStyle/>
+                    <a:p>
+                      <a:pPr algn="ctr"/>
+                      <a:r>
+                        <a:rPr lang="hu-HU" b="1" dirty="0"/>
+                        <a:t>Funkciók</a:t>
+                      </a:r>
+                    </a:p>
+                  </a:txBody>
+                  <a:tcPr anchor="ctr">
+                    <a:solidFill>
+                      <a:schemeClr val="accent1">
+                        <a:lumMod val="20000"/>
+                        <a:lumOff val="80000"/>
+                      </a:schemeClr>
+                    </a:solidFill>
+                  </a:tcPr>
+                </a:tc>
+                <a:tc>
+                  <a:txBody>
+                    <a:bodyPr/>
+                    <a:lstStyle/>
+                    <a:p>
+                      <a:pPr algn="ctr"/>
+                      <a:r>
+                        <a:rPr lang="hu-HU" b="0" dirty="0"/>
+                        <a:t>Adminisztrációs feladatok elvégzése (pl. rendeléskezelés, riportok)</a:t>
+                      </a:r>
+                    </a:p>
+                    <a:p>
+                      <a:pPr algn="ctr"/>
+                      <a:r>
+                        <a:rPr lang="hu-HU" b="0" dirty="0"/>
+                        <a:t>Webes és e-mail szolgáltatások használata</a:t>
+                      </a:r>
+                    </a:p>
+                    <a:p>
+                      <a:pPr algn="ctr"/>
+                      <a:r>
+                        <a:rPr lang="hu-HU" b="0" dirty="0"/>
+                        <a:t>Fájlmegosztás FTP-n keresztül</a:t>
+                      </a:r>
+                    </a:p>
+                  </a:txBody>
+                  <a:tcPr anchor="ctr">
+                    <a:solidFill>
+                      <a:schemeClr val="accent1">
+                        <a:lumMod val="20000"/>
+                        <a:lumOff val="80000"/>
+                      </a:schemeClr>
+                    </a:solidFill>
+                  </a:tcPr>
+                </a:tc>
+                <a:extLst>
+                  <a:ext uri="{0D108BD9-81ED-4DB2-BD59-A6C34878D82A}">
+                    <a16:rowId xmlns:a16="http://schemas.microsoft.com/office/drawing/2014/main" val="1358004861"/>
+                  </a:ext>
+                </a:extLst>
+              </a:tr>
+            </a:tbl>
+          </a:graphicData>
+        </a:graphic>
+      </p:graphicFrame>
+      <p:pic>
+        <p:nvPicPr>
+          <p:cNvPr id="70" name="Picture 69">
+            <a:extLst>
+              <a:ext uri="{FF2B5EF4-FFF2-40B4-BE49-F238E27FC236}">
+                <a16:creationId xmlns:a16="http://schemas.microsoft.com/office/drawing/2014/main" id="{65EB5DC6-1EF8-82CE-B193-3C1F00BBBF07}"/>
+              </a:ext>
+            </a:extLst>
+          </p:cNvPr>
+          <p:cNvPicPr>
+            <a:picLocks noChangeAspect="1"/>
+          </p:cNvPicPr>
+          <p:nvPr/>
+        </p:nvPicPr>
+        <p:blipFill>
+          <a:blip r:embed="rId3"/>
+          <a:stretch>
+            <a:fillRect/>
+          </a:stretch>
+        </p:blipFill>
+        <p:spPr>
+          <a:xfrm>
+            <a:off x="299828" y="2788720"/>
+            <a:ext cx="5212607" cy="2160968"/>
+          </a:xfrm>
+          <a:prstGeom prst="round2DiagRect">
+            <a:avLst>
+              <a:gd name="adj1" fmla="val 5608"/>
+              <a:gd name="adj2" fmla="val 0"/>
+            </a:avLst>
+          </a:prstGeom>
+          <a:ln w="19050" cap="sq">
+            <a:solidFill>
+              <a:schemeClr val="tx2">
+                <a:lumMod val="60000"/>
+                <a:lumOff val="40000"/>
+                <a:alpha val="60000"/>
+              </a:schemeClr>
+            </a:solidFill>
+            <a:miter lim="800000"/>
+          </a:ln>
+          <a:effectLst>
+            <a:outerShdw blurRad="88900" dist="38100" dir="5400000" algn="t" rotWithShape="0">
+              <a:prstClr val="black">
+                <a:alpha val="40000"/>
+              </a:prstClr>
+            </a:outerShdw>
+          </a:effectLst>
+        </p:spPr>
+      </p:pic>
+    </p:spTree>
+    <p:extLst>
+      <p:ext uri="{BB962C8B-B14F-4D97-AF65-F5344CB8AC3E}">
+        <p14:creationId xmlns:p14="http://schemas.microsoft.com/office/powerpoint/2010/main" val="181632023"/>
+      </p:ext>
+    </p:extLst>
+  </p:cSld>
+  <p:clrMapOvr>
+    <a:overrideClrMapping bg1="dk1" tx1="lt1" bg2="dk2" tx2="lt2" accent1="accent1" accent2="accent2" accent3="accent3" accent4="accent4" accent5="accent5" accent6="accent6" hlink="hlink" folHlink="folHlink"/>
+  </p:clrMapOvr>
+</p:sld>
+</file>
+
+<file path=ppt/slides/slide7.xml><?xml version="1.0" encoding="utf-8"?>
+<p:sld xmlns:a="http://schemas.openxmlformats.org/drawingml/2006/main" xmlns:r="http://schemas.openxmlformats.org/officeDocument/2006/relationships" xmlns:p="http://schemas.openxmlformats.org/presentationml/2006/main">
+  <p:cSld>
+    <p:spTree>
+      <p:nvGrpSpPr>
+        <p:cNvPr id="1" name=""/>
+        <p:cNvGrpSpPr/>
+        <p:nvPr/>
+      </p:nvGrpSpPr>
+      <p:grpSpPr>
+        <a:xfrm>
+          <a:off x="0" y="0"/>
+          <a:ext cx="0" cy="0"/>
+          <a:chOff x="0" y="0"/>
+          <a:chExt cx="0" cy="0"/>
+        </a:xfrm>
+      </p:grpSpPr>
+      <p:sp>
+        <p:nvSpPr>
+          <p:cNvPr id="2" name="Title 1">
+            <a:extLst>
+              <a:ext uri="{FF2B5EF4-FFF2-40B4-BE49-F238E27FC236}">
+                <a16:creationId xmlns:a16="http://schemas.microsoft.com/office/drawing/2014/main" id="{22388F28-92DE-68C1-DF28-62E904609DD0}"/>
+              </a:ext>
+            </a:extLst>
+          </p:cNvPr>
+          <p:cNvSpPr>
+            <a:spLocks noGrp="1"/>
+          </p:cNvSpPr>
+          <p:nvPr>
+            <p:ph type="title"/>
+          </p:nvPr>
+        </p:nvSpPr>
+        <p:spPr>
+          <a:xfrm>
+            <a:off x="1141413" y="618518"/>
+            <a:ext cx="9905998" cy="1478570"/>
+          </a:xfrm>
+        </p:spPr>
+        <p:txBody>
+          <a:bodyPr>
+            <a:normAutofit/>
+          </a:bodyPr>
+          <a:lstStyle/>
+          <a:p>
+            <a:r>
+              <a:rPr lang="hu-HU" dirty="0"/>
+              <a:t>RENDELÉSKEZELÉS ÉS KONYHAI MEGJELENÍTÉS</a:t>
+            </a:r>
+          </a:p>
+        </p:txBody>
+      </p:sp>
+      <p:graphicFrame>
+        <p:nvGraphicFramePr>
+          <p:cNvPr id="7" name="Content Placeholder 6">
+            <a:extLst>
+              <a:ext uri="{FF2B5EF4-FFF2-40B4-BE49-F238E27FC236}">
+                <a16:creationId xmlns:a16="http://schemas.microsoft.com/office/drawing/2014/main" id="{05342D2A-33C1-12C7-A203-04A4F50338DD}"/>
+              </a:ext>
+            </a:extLst>
+          </p:cNvPr>
+          <p:cNvGraphicFramePr>
+            <a:graphicFrameLocks noGrp="1"/>
+          </p:cNvGraphicFramePr>
+          <p:nvPr>
+            <p:ph idx="1"/>
+            <p:extLst>
+              <p:ext uri="{D42A27DB-BD31-4B8C-83A1-F6EECF244321}">
+                <p14:modId xmlns:p14="http://schemas.microsoft.com/office/powerpoint/2010/main" val="1744299782"/>
+              </p:ext>
+            </p:extLst>
+          </p:nvPr>
+        </p:nvGraphicFramePr>
+        <p:xfrm>
+          <a:off x="5002766" y="2378695"/>
+          <a:ext cx="6829770" cy="3310218"/>
+        </p:xfrm>
+        <a:graphic>
+          <a:graphicData uri="http://schemas.openxmlformats.org/drawingml/2006/table">
+            <a:tbl>
+              <a:tblPr firstRow="1" bandRow="1">
+                <a:tableStyleId>{69CF1AB2-1976-4502-BF36-3FF5EA218861}</a:tableStyleId>
+              </a:tblPr>
+              <a:tblGrid>
+                <a:gridCol w="1278764">
+                  <a:extLst>
+                    <a:ext uri="{9D8B030D-6E8A-4147-A177-3AD203B41FA5}">
+                      <a16:colId xmlns:a16="http://schemas.microsoft.com/office/drawing/2014/main" val="374051320"/>
+                    </a:ext>
+                  </a:extLst>
+                </a:gridCol>
+                <a:gridCol w="5551006">
+                  <a:extLst>
+                    <a:ext uri="{9D8B030D-6E8A-4147-A177-3AD203B41FA5}">
+                      <a16:colId xmlns:a16="http://schemas.microsoft.com/office/drawing/2014/main" val="3716890703"/>
+                    </a:ext>
+                  </a:extLst>
+                </a:gridCol>
+              </a:tblGrid>
+              <a:tr h="1060749">
+                <a:tc>
+                  <a:txBody>
+                    <a:bodyPr/>
+                    <a:lstStyle/>
+                    <a:p>
+                      <a:pPr algn="ctr"/>
+                      <a:r>
+                        <a:rPr lang="hu-HU" b="0" dirty="0"/>
+                        <a:t>Eszközök</a:t>
+                      </a:r>
+                    </a:p>
+                  </a:txBody>
+                  <a:tcPr anchor="ctr">
+                    <a:solidFill>
+                      <a:schemeClr val="accent4">
+                        <a:lumMod val="20000"/>
+                        <a:lumOff val="80000"/>
+                      </a:schemeClr>
+                    </a:solidFill>
+                  </a:tcPr>
+                </a:tc>
+                <a:tc>
+                  <a:txBody>
+                    <a:bodyPr/>
+                    <a:lstStyle/>
+                    <a:p>
+                      <a:pPr algn="ctr"/>
+                      <a:r>
+                        <a:rPr lang="hu-HU" b="0" dirty="0"/>
+                        <a:t>2 rendelésfelvevő kioszk</a:t>
+                      </a:r>
+                    </a:p>
+                    <a:p>
+                      <a:pPr algn="ctr"/>
+                      <a:r>
+                        <a:rPr lang="hu-HU" b="0" dirty="0"/>
+                        <a:t>1 TV kijelző (a konyhában)</a:t>
+                      </a:r>
+                    </a:p>
+                  </a:txBody>
+                  <a:tcPr anchor="ctr">
+                    <a:solidFill>
+                      <a:schemeClr val="accent4">
+                        <a:lumMod val="20000"/>
+                        <a:lumOff val="80000"/>
+                      </a:schemeClr>
+                    </a:solidFill>
+                  </a:tcPr>
+                </a:tc>
+                <a:extLst>
+                  <a:ext uri="{0D108BD9-81ED-4DB2-BD59-A6C34878D82A}">
+                    <a16:rowId xmlns:a16="http://schemas.microsoft.com/office/drawing/2014/main" val="3627228009"/>
+                  </a:ext>
+                </a:extLst>
+              </a:tr>
+              <a:tr h="1060749">
+                <a:tc>
+                  <a:txBody>
+                    <a:bodyPr/>
+                    <a:lstStyle/>
+                    <a:p>
+                      <a:pPr algn="ctr"/>
+                      <a:r>
+                        <a:rPr lang="hu-HU" b="0" dirty="0"/>
+                        <a:t>Kapcsolat</a:t>
+                      </a:r>
+                    </a:p>
+                  </a:txBody>
+                  <a:tcPr anchor="ctr">
+                    <a:solidFill>
+                      <a:schemeClr val="accent4">
+                        <a:lumMod val="20000"/>
+                        <a:lumOff val="80000"/>
+                      </a:schemeClr>
+                    </a:solidFill>
+                  </a:tcPr>
+                </a:tc>
+                <a:tc>
+                  <a:txBody>
+                    <a:bodyPr/>
+                    <a:lstStyle/>
+                    <a:p>
+                      <a:pPr algn="ctr"/>
+                      <a:r>
+                        <a:rPr lang="hu-HU" b="0" dirty="0"/>
+                        <a:t>Switch kapcsolaton keresztül csatlakoznak VLAN 11-re</a:t>
+                      </a:r>
+                    </a:p>
+                    <a:p>
+                      <a:pPr algn="ctr"/>
+                      <a:r>
+                        <a:rPr lang="hu-HU" b="0" dirty="0"/>
+                        <a:t>DHCP vagy statikus IP-cím használata</a:t>
+                      </a:r>
+                    </a:p>
+                  </a:txBody>
+                  <a:tcPr anchor="ctr">
+                    <a:solidFill>
+                      <a:schemeClr val="accent4">
+                        <a:lumMod val="20000"/>
+                        <a:lumOff val="80000"/>
+                      </a:schemeClr>
+                    </a:solidFill>
+                  </a:tcPr>
+                </a:tc>
+                <a:extLst>
+                  <a:ext uri="{0D108BD9-81ED-4DB2-BD59-A6C34878D82A}">
+                    <a16:rowId xmlns:a16="http://schemas.microsoft.com/office/drawing/2014/main" val="175889703"/>
+                  </a:ext>
+                </a:extLst>
+              </a:tr>
+              <a:tr h="1060749">
+                <a:tc>
+                  <a:txBody>
+                    <a:bodyPr/>
+                    <a:lstStyle/>
+                    <a:p>
+                      <a:pPr algn="ctr"/>
+                      <a:r>
+                        <a:rPr lang="hu-HU" b="0" dirty="0"/>
+                        <a:t>Funkciók</a:t>
+                      </a:r>
+                    </a:p>
+                  </a:txBody>
+                  <a:tcPr anchor="ctr">
+                    <a:solidFill>
+                      <a:schemeClr val="accent4">
+                        <a:lumMod val="20000"/>
+                        <a:lumOff val="80000"/>
+                      </a:schemeClr>
+                    </a:solidFill>
+                  </a:tcPr>
+                </a:tc>
+                <a:tc>
+                  <a:txBody>
+                    <a:bodyPr/>
+                    <a:lstStyle/>
+                    <a:p>
+                      <a:pPr algn="ctr"/>
+                      <a:r>
+                        <a:rPr lang="hu-HU" b="0" dirty="0"/>
+                        <a:t>Rendelések felvétele, továbbítása a szerverre</a:t>
+                      </a:r>
+                    </a:p>
+                    <a:p>
+                      <a:pPr algn="ctr"/>
+                      <a:r>
+                        <a:rPr lang="hu-HU" b="0" dirty="0"/>
+                        <a:t>Kijelző a konyhában a rendelések valós idejű megjelenítésére</a:t>
+                      </a:r>
+                    </a:p>
+                    <a:p>
+                      <a:pPr algn="ctr"/>
+                      <a:r>
+                        <a:rPr lang="hu-HU" b="0" dirty="0"/>
+                        <a:t>Webes kapcsolat a HTTP szerverhez</a:t>
+                      </a:r>
+                    </a:p>
+                  </a:txBody>
+                  <a:tcPr anchor="ctr">
+                    <a:solidFill>
+                      <a:schemeClr val="accent4">
+                        <a:lumMod val="20000"/>
+                        <a:lumOff val="80000"/>
+                      </a:schemeClr>
+                    </a:solidFill>
+                  </a:tcPr>
+                </a:tc>
+                <a:extLst>
+                  <a:ext uri="{0D108BD9-81ED-4DB2-BD59-A6C34878D82A}">
+                    <a16:rowId xmlns:a16="http://schemas.microsoft.com/office/drawing/2014/main" val="1358004861"/>
+                  </a:ext>
+                </a:extLst>
+              </a:tr>
+            </a:tbl>
+          </a:graphicData>
+        </a:graphic>
+      </p:graphicFrame>
+      <p:pic>
+        <p:nvPicPr>
+          <p:cNvPr id="3" name="Picture 2">
+            <a:extLst>
+              <a:ext uri="{FF2B5EF4-FFF2-40B4-BE49-F238E27FC236}">
+                <a16:creationId xmlns:a16="http://schemas.microsoft.com/office/drawing/2014/main" id="{8F3F67CD-BCB5-F21A-0415-80328B75FCF1}"/>
+              </a:ext>
+            </a:extLst>
+          </p:cNvPr>
+          <p:cNvPicPr>
+            <a:picLocks noChangeAspect="1"/>
+          </p:cNvPicPr>
+          <p:nvPr/>
+        </p:nvPicPr>
+        <p:blipFill>
+          <a:blip r:embed="rId2"/>
+          <a:stretch>
+            <a:fillRect/>
+          </a:stretch>
+        </p:blipFill>
+        <p:spPr>
+          <a:xfrm>
+            <a:off x="192225" y="2834343"/>
+            <a:ext cx="4656306" cy="2282757"/>
+          </a:xfrm>
+          <a:prstGeom prst="round2DiagRect">
+            <a:avLst>
+              <a:gd name="adj1" fmla="val 5608"/>
+              <a:gd name="adj2" fmla="val 0"/>
+            </a:avLst>
+          </a:prstGeom>
+          <a:ln w="19050" cap="sq">
+            <a:solidFill>
+              <a:schemeClr val="tx2">
+                <a:lumMod val="60000"/>
+                <a:lumOff val="40000"/>
+                <a:alpha val="60000"/>
+              </a:schemeClr>
+            </a:solidFill>
+            <a:miter lim="800000"/>
+          </a:ln>
+          <a:effectLst>
+            <a:outerShdw blurRad="88900" dist="38100" dir="5400000" algn="t" rotWithShape="0">
+              <a:prstClr val="black">
+                <a:alpha val="40000"/>
+              </a:prstClr>
+            </a:outerShdw>
+          </a:effectLst>
+        </p:spPr>
+      </p:pic>
+    </p:spTree>
+    <p:extLst>
+      <p:ext uri="{BB962C8B-B14F-4D97-AF65-F5344CB8AC3E}">
+        <p14:creationId xmlns:p14="http://schemas.microsoft.com/office/powerpoint/2010/main" val="547323718"/>
+      </p:ext>
+    </p:extLst>
+  </p:cSld>
+  <p:clrMapOvr>
+    <a:masterClrMapping/>
+  </p:clrMapOvr>
+</p:sld>
+</file>
+
+<file path=ppt/slides/slide8.xml><?xml version="1.0" encoding="utf-8"?>
+<p:sld xmlns:a="http://schemas.openxmlformats.org/drawingml/2006/main" xmlns:r="http://schemas.openxmlformats.org/officeDocument/2006/relationships" xmlns:p="http://schemas.openxmlformats.org/presentationml/2006/main">
+  <p:cSld>
+    <p:spTree>
+      <p:nvGrpSpPr>
+        <p:cNvPr id="1" name=""/>
+        <p:cNvGrpSpPr/>
+        <p:nvPr/>
+      </p:nvGrpSpPr>
+      <p:grpSpPr>
+        <a:xfrm>
+          <a:off x="0" y="0"/>
+          <a:ext cx="0" cy="0"/>
+          <a:chOff x="0" y="0"/>
+          <a:chExt cx="0" cy="0"/>
+        </a:xfrm>
+      </p:grpSpPr>
+      <p:sp>
+        <p:nvSpPr>
+          <p:cNvPr id="2" name="Title 1">
+            <a:extLst>
+              <a:ext uri="{FF2B5EF4-FFF2-40B4-BE49-F238E27FC236}">
+                <a16:creationId xmlns:a16="http://schemas.microsoft.com/office/drawing/2014/main" id="{22388F28-92DE-68C1-DF28-62E904609DD0}"/>
+              </a:ext>
+            </a:extLst>
+          </p:cNvPr>
+          <p:cNvSpPr>
+            <a:spLocks noGrp="1"/>
+          </p:cNvSpPr>
+          <p:nvPr>
+            <p:ph type="title"/>
+          </p:nvPr>
+        </p:nvSpPr>
+        <p:spPr>
+          <a:xfrm>
+            <a:off x="1141413" y="618518"/>
+            <a:ext cx="9905998" cy="1478570"/>
+          </a:xfrm>
+        </p:spPr>
+        <p:txBody>
+          <a:bodyPr>
+            <a:normAutofit/>
+          </a:bodyPr>
+          <a:lstStyle/>
+          <a:p>
+            <a:r>
+              <a:rPr lang="hu-HU" dirty="0"/>
+              <a:t>Vendégtér és digitális menütáblák</a:t>
+            </a:r>
+          </a:p>
+        </p:txBody>
+      </p:sp>
+      <p:graphicFrame>
+        <p:nvGraphicFramePr>
+          <p:cNvPr id="7" name="Content Placeholder 6">
+            <a:extLst>
+              <a:ext uri="{FF2B5EF4-FFF2-40B4-BE49-F238E27FC236}">
+                <a16:creationId xmlns:a16="http://schemas.microsoft.com/office/drawing/2014/main" id="{05342D2A-33C1-12C7-A203-04A4F50338DD}"/>
+              </a:ext>
+            </a:extLst>
+          </p:cNvPr>
+          <p:cNvGraphicFramePr>
+            <a:graphicFrameLocks noGrp="1"/>
+          </p:cNvGraphicFramePr>
+          <p:nvPr>
+            <p:ph idx="1"/>
+            <p:extLst>
+              <p:ext uri="{D42A27DB-BD31-4B8C-83A1-F6EECF244321}">
+                <p14:modId xmlns:p14="http://schemas.microsoft.com/office/powerpoint/2010/main" val="2943327264"/>
+              </p:ext>
+            </p:extLst>
+          </p:nvPr>
+        </p:nvGraphicFramePr>
+        <p:xfrm>
+          <a:off x="5317435" y="2378696"/>
+          <a:ext cx="6515101" cy="3668610"/>
+        </p:xfrm>
+        <a:graphic>
+          <a:graphicData uri="http://schemas.openxmlformats.org/drawingml/2006/table">
+            <a:tbl>
+              <a:tblPr firstRow="1" bandRow="1">
+                <a:tableStyleId>{69CF1AB2-1976-4502-BF36-3FF5EA218861}</a:tableStyleId>
+              </a:tblPr>
+              <a:tblGrid>
+                <a:gridCol w="1219847">
+                  <a:extLst>
+                    <a:ext uri="{9D8B030D-6E8A-4147-A177-3AD203B41FA5}">
+                      <a16:colId xmlns:a16="http://schemas.microsoft.com/office/drawing/2014/main" val="374051320"/>
+                    </a:ext>
+                  </a:extLst>
+                </a:gridCol>
+                <a:gridCol w="5295254">
+                  <a:extLst>
+                    <a:ext uri="{9D8B030D-6E8A-4147-A177-3AD203B41FA5}">
+                      <a16:colId xmlns:a16="http://schemas.microsoft.com/office/drawing/2014/main" val="3716890703"/>
+                    </a:ext>
+                  </a:extLst>
+                </a:gridCol>
+              </a:tblGrid>
+              <a:tr h="1040048">
+                <a:tc>
+                  <a:txBody>
+                    <a:bodyPr/>
+                    <a:lstStyle/>
+                    <a:p>
+                      <a:pPr algn="ctr"/>
+                      <a:r>
+                        <a:rPr lang="hu-HU" b="1" dirty="0"/>
+                        <a:t>Eszközök</a:t>
+                      </a:r>
+                    </a:p>
+                  </a:txBody>
+                  <a:tcPr anchor="ctr">
+                    <a:solidFill>
+                      <a:srgbClr val="E7DFF5"/>
+                    </a:solidFill>
+                  </a:tcPr>
+                </a:tc>
+                <a:tc>
+                  <a:txBody>
+                    <a:bodyPr/>
+                    <a:lstStyle/>
+                    <a:p>
+                      <a:pPr algn="ctr"/>
+                      <a:r>
+                        <a:rPr lang="hu-HU" b="0" dirty="0"/>
+                        <a:t>2 digitális menütábla (felhőn keresztüli kapcsolattal)</a:t>
+                      </a:r>
+                    </a:p>
+                    <a:p>
+                      <a:pPr algn="ctr"/>
+                      <a:r>
+                        <a:rPr lang="hu-HU" b="0" dirty="0"/>
+                        <a:t>Vezeték nélküli router</a:t>
+                      </a:r>
+                    </a:p>
+                    <a:p>
+                      <a:pPr algn="ctr"/>
+                      <a:r>
+                        <a:rPr lang="hu-HU" b="0" dirty="0"/>
+                        <a:t>Vendég eszközök (pl. tabletek, mobilok)</a:t>
+                      </a:r>
+                    </a:p>
+                  </a:txBody>
+                  <a:tcPr anchor="ctr">
+                    <a:solidFill>
+                      <a:srgbClr val="E7DFF5"/>
+                    </a:solidFill>
+                  </a:tcPr>
+                </a:tc>
+                <a:extLst>
+                  <a:ext uri="{0D108BD9-81ED-4DB2-BD59-A6C34878D82A}">
+                    <a16:rowId xmlns:a16="http://schemas.microsoft.com/office/drawing/2014/main" val="3627228009"/>
+                  </a:ext>
+                </a:extLst>
+              </a:tr>
+              <a:tr h="1165522">
+                <a:tc>
+                  <a:txBody>
+                    <a:bodyPr/>
+                    <a:lstStyle/>
+                    <a:p>
+                      <a:pPr algn="ctr"/>
+                      <a:r>
+                        <a:rPr lang="hu-HU" b="1" dirty="0"/>
+                        <a:t>Kapcsolat</a:t>
+                      </a:r>
+                    </a:p>
+                  </a:txBody>
+                  <a:tcPr anchor="ctr">
+                    <a:solidFill>
+                      <a:srgbClr val="E7DFF5"/>
+                    </a:solidFill>
+                  </a:tcPr>
+                </a:tc>
+                <a:tc>
+                  <a:txBody>
+                    <a:bodyPr/>
+                    <a:lstStyle/>
+                    <a:p>
+                      <a:pPr algn="ctr"/>
+                      <a:r>
+                        <a:rPr lang="hu-HU" b="0" dirty="0"/>
+                        <a:t>Digitális menütáblák közvetlenül a felhőhöz csatlakoznak</a:t>
+                      </a:r>
+                    </a:p>
+                    <a:p>
+                      <a:pPr algn="ctr"/>
+                      <a:r>
+                        <a:rPr lang="hu-HU" b="0" dirty="0"/>
+                        <a:t>Vendég router VLAN 11-re kapcsolódik</a:t>
+                      </a:r>
+                    </a:p>
+                  </a:txBody>
+                  <a:tcPr anchor="ctr">
+                    <a:solidFill>
+                      <a:srgbClr val="E7DFF5"/>
+                    </a:solidFill>
+                  </a:tcPr>
+                </a:tc>
+                <a:extLst>
+                  <a:ext uri="{0D108BD9-81ED-4DB2-BD59-A6C34878D82A}">
+                    <a16:rowId xmlns:a16="http://schemas.microsoft.com/office/drawing/2014/main" val="175889703"/>
+                  </a:ext>
+                </a:extLst>
+              </a:tr>
+              <a:tr h="1165522">
+                <a:tc>
+                  <a:txBody>
+                    <a:bodyPr/>
+                    <a:lstStyle/>
+                    <a:p>
+                      <a:pPr algn="ctr"/>
+                      <a:r>
+                        <a:rPr lang="hu-HU" b="1" dirty="0"/>
+                        <a:t>Funkciók</a:t>
+                      </a:r>
+                    </a:p>
+                  </a:txBody>
+                  <a:tcPr anchor="ctr">
+                    <a:solidFill>
+                      <a:srgbClr val="E7DFF5"/>
+                    </a:solidFill>
+                  </a:tcPr>
+                </a:tc>
+                <a:tc>
+                  <a:txBody>
+                    <a:bodyPr/>
+                    <a:lstStyle/>
+                    <a:p>
+                      <a:pPr algn="ctr"/>
+                      <a:r>
+                        <a:rPr lang="hu-HU" b="0" dirty="0"/>
+                        <a:t>Információk megjelenítése a digitális menütáblákon</a:t>
+                      </a:r>
+                    </a:p>
+                    <a:p>
+                      <a:pPr algn="ctr"/>
+                      <a:r>
+                        <a:rPr lang="hu-HU" b="0" dirty="0"/>
+                        <a:t>Vendégek hozzáférése a helyi hálózathoz, ha szükséges</a:t>
+                      </a:r>
+                    </a:p>
+                    <a:p>
+                      <a:pPr algn="ctr"/>
+                      <a:r>
+                        <a:rPr lang="hu-HU" b="0" dirty="0"/>
+                        <a:t>Korlátozott internetelérés biztosítása a vendégeknek</a:t>
+                      </a:r>
+                    </a:p>
+                    <a:p>
+                      <a:pPr algn="ctr"/>
+                      <a:r>
+                        <a:rPr lang="hu-HU" b="0" dirty="0"/>
+                        <a:t>A vendég.py program segítségével a terminálon keresztül rendeléseket lehet leadni</a:t>
+                      </a:r>
+                    </a:p>
+                  </a:txBody>
+                  <a:tcPr anchor="ctr">
+                    <a:solidFill>
+                      <a:srgbClr val="E7DFF5"/>
+                    </a:solidFill>
+                  </a:tcPr>
+                </a:tc>
+                <a:extLst>
+                  <a:ext uri="{0D108BD9-81ED-4DB2-BD59-A6C34878D82A}">
+                    <a16:rowId xmlns:a16="http://schemas.microsoft.com/office/drawing/2014/main" val="1358004861"/>
+                  </a:ext>
+                </a:extLst>
+              </a:tr>
+            </a:tbl>
+          </a:graphicData>
+        </a:graphic>
+      </p:graphicFrame>
+      <p:pic>
+        <p:nvPicPr>
+          <p:cNvPr id="4" name="Picture 3">
+            <a:extLst>
+              <a:ext uri="{FF2B5EF4-FFF2-40B4-BE49-F238E27FC236}">
+                <a16:creationId xmlns:a16="http://schemas.microsoft.com/office/drawing/2014/main" id="{C1C5EBEE-0CB2-4824-DDCC-1DD9BD65DF78}"/>
+              </a:ext>
+            </a:extLst>
+          </p:cNvPr>
+          <p:cNvPicPr>
+            <a:picLocks noChangeAspect="1"/>
+          </p:cNvPicPr>
+          <p:nvPr/>
+        </p:nvPicPr>
+        <p:blipFill>
+          <a:blip r:embed="rId2"/>
+          <a:stretch>
+            <a:fillRect/>
+          </a:stretch>
+        </p:blipFill>
+        <p:spPr>
+          <a:xfrm>
+            <a:off x="1583705" y="2097088"/>
+            <a:ext cx="3132413" cy="4244739"/>
+          </a:xfrm>
+          <a:prstGeom prst="round2DiagRect">
+            <a:avLst>
+              <a:gd name="adj1" fmla="val 5608"/>
+              <a:gd name="adj2" fmla="val 0"/>
+            </a:avLst>
+          </a:prstGeom>
+          <a:ln w="19050" cap="sq">
+            <a:solidFill>
+              <a:schemeClr val="tx2">
+                <a:lumMod val="60000"/>
+                <a:lumOff val="40000"/>
+                <a:alpha val="60000"/>
+              </a:schemeClr>
+            </a:solidFill>
+            <a:miter lim="800000"/>
+          </a:ln>
+          <a:effectLst>
+            <a:outerShdw blurRad="88900" dist="38100" dir="5400000" algn="t" rotWithShape="0">
+              <a:prstClr val="black">
+                <a:alpha val="40000"/>
+              </a:prstClr>
+            </a:outerShdw>
+          </a:effectLst>
+        </p:spPr>
+      </p:pic>
+    </p:spTree>
+    <p:extLst>
+      <p:ext uri="{BB962C8B-B14F-4D97-AF65-F5344CB8AC3E}">
+        <p14:creationId xmlns:p14="http://schemas.microsoft.com/office/powerpoint/2010/main" val="1457051919"/>
+      </p:ext>
+    </p:extLst>
+  </p:cSld>
+  <p:clrMapOvr>
+    <a:masterClrMapping/>
+  </p:clrMapOvr>
+</p:sld>
+</file>
+
+<file path=ppt/slides/slide9.xml><?xml version="1.0" encoding="utf-8"?>
+<p:sld xmlns:a="http://schemas.openxmlformats.org/drawingml/2006/main" xmlns:r="http://schemas.openxmlformats.org/officeDocument/2006/relationships" xmlns:p="http://schemas.openxmlformats.org/presentationml/2006/main">
+  <p:cSld>
+    <p:spTree>
+      <p:nvGrpSpPr>
+        <p:cNvPr id="1" name=""/>
+        <p:cNvGrpSpPr/>
+        <p:nvPr/>
+      </p:nvGrpSpPr>
+      <p:grpSpPr>
+        <a:xfrm>
+          <a:off x="0" y="0"/>
+          <a:ext cx="0" cy="0"/>
+          <a:chOff x="0" y="0"/>
+          <a:chExt cx="0" cy="0"/>
+        </a:xfrm>
+      </p:grpSpPr>
+      <p:sp>
+        <p:nvSpPr>
+          <p:cNvPr id="2" name="Title 1">
+            <a:extLst>
+              <a:ext uri="{FF2B5EF4-FFF2-40B4-BE49-F238E27FC236}">
+                <a16:creationId xmlns:a16="http://schemas.microsoft.com/office/drawing/2014/main" id="{22388F28-92DE-68C1-DF28-62E904609DD0}"/>
+              </a:ext>
+            </a:extLst>
+          </p:cNvPr>
+          <p:cNvSpPr>
+            <a:spLocks noGrp="1"/>
+          </p:cNvSpPr>
+          <p:nvPr>
+            <p:ph type="title"/>
+          </p:nvPr>
+        </p:nvSpPr>
+        <p:spPr>
+          <a:xfrm>
+            <a:off x="1217544" y="506896"/>
+            <a:ext cx="9905998" cy="842533"/>
+          </a:xfrm>
+        </p:spPr>
+        <p:txBody>
+          <a:bodyPr>
+            <a:normAutofit fontScale="90000"/>
+          </a:bodyPr>
+          <a:lstStyle/>
+          <a:p>
+            <a:r>
+              <a:rPr lang="hu-HU" dirty="0"/>
+              <a:t>Kapcsolódási logika és forgalomszeparáció</a:t>
+            </a:r>
+          </a:p>
+        </p:txBody>
+      </p:sp>
+      <p:graphicFrame>
+        <p:nvGraphicFramePr>
+          <p:cNvPr id="3" name="Diagram 2">
+            <a:extLst>
+              <a:ext uri="{FF2B5EF4-FFF2-40B4-BE49-F238E27FC236}">
+                <a16:creationId xmlns:a16="http://schemas.microsoft.com/office/drawing/2014/main" id="{D5D7779A-825D-5017-12E3-D8F19643CFE9}"/>
+              </a:ext>
+            </a:extLst>
+          </p:cNvPr>
+          <p:cNvGraphicFramePr/>
+          <p:nvPr>
+            <p:extLst>
+              <p:ext uri="{D42A27DB-BD31-4B8C-83A1-F6EECF244321}">
+                <p14:modId xmlns:p14="http://schemas.microsoft.com/office/powerpoint/2010/main" val="4159358614"/>
+              </p:ext>
+            </p:extLst>
+          </p:nvPr>
+        </p:nvGraphicFramePr>
+        <p:xfrm>
+          <a:off x="1887883" y="1107292"/>
+          <a:ext cx="8128000" cy="5418667"/>
+        </p:xfrm>
+        <a:graphic>
+          <a:graphicData uri="http://schemas.openxmlformats.org/drawingml/2006/diagram">
+            <dgm:relIds xmlns:dgm="http://schemas.openxmlformats.org/drawingml/2006/diagram" xmlns:r="http://schemas.openxmlformats.org/officeDocument/2006/relationships" r:dm="rId2" r:lo="rId3" r:qs="rId4" r:cs="rId5"/>
+          </a:graphicData>
+        </a:graphic>
+      </p:graphicFrame>
+    </p:spTree>
+    <p:extLst>
+      <p:ext uri="{BB962C8B-B14F-4D97-AF65-F5344CB8AC3E}">
+        <p14:creationId xmlns:p14="http://schemas.microsoft.com/office/powerpoint/2010/main" val="1986800715"/>
+      </p:ext>
+    </p:extLst>
+  </p:cSld>
+  <p:clrMapOvr>
+    <a:masterClrMapping/>
+  </p:clrMapOvr>
+</p:sld>
+</file>
+
 <file path=ppt/theme/theme1.xml><?xml version="1.0" encoding="utf-8"?>
 <a:theme xmlns:a="http://schemas.openxmlformats.org/drawingml/2006/main" name="Circuit">
   <a:themeElements>
